--- a/apps/api/outputs/ppt/presentation.pptx
+++ b/apps/api/outputs/ppt/presentation.pptx
@@ -1966,7 +1966,7 @@
                   <a:srgbClr val="363636"/>
                 </a:solidFill>
               </a:rPr>
-              <a:t>Introduction to Machine Learning</a:t>
+              <a:t>AI-Powered Personalized News App</a:t>
             </a:r>
             <a:endParaRPr lang="en-US" sz="4400" dirty="0"/>
           </a:p>
@@ -2002,7 +2002,7 @@
                   <a:srgbClr val="666666"/>
                 </a:solidFill>
               </a:rPr>
-              <a:t>Understanding the Fundamentals and Applications</a:t>
+              <a:t>Intelligent Content Curation &amp; Persona-Based Delivery</a:t>
             </a:r>
             <a:endParaRPr lang="en-US" sz="2400" dirty="0"/>
           </a:p>
@@ -2063,7 +2063,7 @@
                   <a:srgbClr val="363636"/>
                 </a:solidFill>
               </a:rPr>
-              <a:t>Challenges in Machine Learning</a:t>
+              <a:t>Privacy &amp; Ethics</a:t>
             </a:r>
             <a:endParaRPr lang="en-US" sz="3200" dirty="0"/>
           </a:p>
@@ -2099,7 +2099,7 @@
                   <a:srgbClr val="444444"/>
                 </a:solidFill>
               </a:rPr>
-              <a:t>Despite its success, ML faces several significant challenges that researchers and practitioners continue to address.</a:t>
+              <a:t>Building trust through responsible AI practices.</a:t>
             </a:r>
             <a:endParaRPr lang="en-US" sz="1800" dirty="0"/>
           </a:p>
@@ -2135,7 +2135,7 @@
                   <a:srgbClr val="555555"/>
                 </a:solidFill>
               </a:rPr>
-              <a:t>• Data Quality: Garbage in, garbage out</a:t>
+              <a:t>• Transparent data collection and usage policies</a:t>
             </a:r>
             <a:endParaRPr lang="en-US" sz="1600" dirty="0"/>
           </a:p>
@@ -2171,7 +2171,7 @@
                   <a:srgbClr val="555555"/>
                 </a:solidFill>
               </a:rPr>
-              <a:t>• Overfitting: Models that don't generalize</a:t>
+              <a:t>• User control over persona and data</a:t>
             </a:r>
             <a:endParaRPr lang="en-US" sz="1600" dirty="0"/>
           </a:p>
@@ -2207,7 +2207,7 @@
                   <a:srgbClr val="555555"/>
                 </a:solidFill>
               </a:rPr>
-              <a:t>• Interpretability: Black box problem in complex models</a:t>
+              <a:t>• Opt-out options for personalization</a:t>
             </a:r>
             <a:endParaRPr lang="en-US" sz="1600" dirty="0"/>
           </a:p>
@@ -2243,7 +2243,7 @@
                   <a:srgbClr val="555555"/>
                 </a:solidFill>
               </a:rPr>
-              <a:t>• Bias and Fairness: Ethical considerations</a:t>
+              <a:t>• Bias detection and mitigation in AI models</a:t>
             </a:r>
             <a:endParaRPr lang="en-US" sz="1600" dirty="0"/>
           </a:p>
@@ -2279,7 +2279,7 @@
                   <a:srgbClr val="555555"/>
                 </a:solidFill>
               </a:rPr>
-              <a:t>• Computational Resources: High training costs</a:t>
+              <a:t>• Compliance with GDPR, CCPA regulations</a:t>
             </a:r>
             <a:endParaRPr lang="en-US" sz="1600" dirty="0"/>
           </a:p>
@@ -2315,7 +2315,7 @@
                   <a:srgbClr val="555555"/>
                 </a:solidFill>
               </a:rPr>
-              <a:t>• Privacy and Security: Protecting sensitive data</a:t>
+              <a:t>• Regular third-party audits</a:t>
             </a:r>
             <a:endParaRPr lang="en-US" sz="1600" dirty="0"/>
           </a:p>
@@ -2376,7 +2376,7 @@
                   <a:srgbClr val="363636"/>
                 </a:solidFill>
               </a:rPr>
-              <a:t>Future Trends in ML</a:t>
+              <a:t>Development Roadmap</a:t>
             </a:r>
             <a:endParaRPr lang="en-US" sz="3200" dirty="0"/>
           </a:p>
@@ -2412,7 +2412,7 @@
                   <a:srgbClr val="444444"/>
                 </a:solidFill>
               </a:rPr>
-              <a:t>The field of machine learning continues to evolve rapidly with emerging technologies and methodologies.</a:t>
+              <a:t>Phased approach to build and launch the platform.</a:t>
             </a:r>
             <a:endParaRPr lang="en-US" sz="1800" dirty="0"/>
           </a:p>
@@ -2448,7 +2448,7 @@
                   <a:srgbClr val="555555"/>
                 </a:solidFill>
               </a:rPr>
-              <a:t>• Explainable AI (XAI): Making models more interpretable</a:t>
+              <a:t>• Phase 1 (Months 1-3): MVP - Basic aggregation and simple recommendations</a:t>
             </a:r>
             <a:endParaRPr lang="en-US" sz="1600" dirty="0"/>
           </a:p>
@@ -2484,7 +2484,7 @@
                   <a:srgbClr val="555555"/>
                 </a:solidFill>
               </a:rPr>
-              <a:t>• Federated Learning: Privacy-preserving distributed learning</a:t>
+              <a:t>• Phase 2 (Months 4-6): AI integration - Summarization and classification</a:t>
             </a:r>
             <a:endParaRPr lang="en-US" sz="1600" dirty="0"/>
           </a:p>
@@ -2520,7 +2520,7 @@
                   <a:srgbClr val="555555"/>
                 </a:solidFill>
               </a:rPr>
-              <a:t>• AutoML: Automated machine learning pipeline</a:t>
+              <a:t>• Phase 3 (Months 7-9): Persona engine - Advanced personalization</a:t>
             </a:r>
             <a:endParaRPr lang="en-US" sz="1600" dirty="0"/>
           </a:p>
@@ -2556,7 +2556,7 @@
                   <a:srgbClr val="555555"/>
                 </a:solidFill>
               </a:rPr>
-              <a:t>• Edge ML: Running ML on edge devices</a:t>
+              <a:t>• Phase 4 (Months 10-12): Beta launch - User testing and refinement</a:t>
             </a:r>
             <a:endParaRPr lang="en-US" sz="1600" dirty="0"/>
           </a:p>
@@ -2592,43 +2592,7 @@
                   <a:srgbClr val="555555"/>
                 </a:solidFill>
               </a:rPr>
-              <a:t>• Few-shot Learning: Learning from minimal examples</a:t>
-            </a:r>
-            <a:endParaRPr lang="en-US" sz="1600" dirty="0"/>
-          </a:p>
-        </p:txBody>
-      </p:sp>
-      <p:sp>
-        <p:nvSpPr>
-          <p:cNvPr id="9" name="Text 7"/>
-          <p:cNvSpPr/>
-          <p:nvPr/>
-        </p:nvSpPr>
-        <p:spPr>
-          <a:xfrm>
-            <a:off x="457200" y="4663440"/>
-            <a:ext cx="7772400" cy="457200"/>
-          </a:xfrm>
-          <a:prstGeom prst="rect">
-            <a:avLst/>
-          </a:prstGeom>
-          <a:noFill/>
-          <a:ln/>
-        </p:spPr>
-        <p:txBody>
-          <a:bodyPr wrap="square" rtlCol="0" anchor="ctr"/>
-          <a:lstStyle/>
-          <a:p>
-            <a:pPr indent="0" marL="0">
-              <a:buNone/>
-            </a:pPr>
-            <a:r>
-              <a:rPr lang="en-US" sz="1600" dirty="0">
-                <a:solidFill>
-                  <a:srgbClr val="555555"/>
-                </a:solidFill>
-              </a:rPr>
-              <a:t>• AI Ethics and Responsible AI Development</a:t>
+              <a:t>• Phase 5 (Month 13+): Public launch with premium features</a:t>
             </a:r>
             <a:endParaRPr lang="en-US" sz="1600" dirty="0"/>
           </a:p>
@@ -2689,7 +2653,7 @@
                   <a:srgbClr val="363636"/>
                 </a:solidFill>
               </a:rPr>
-              <a:t>Getting Started with ML</a:t>
+              <a:t>Key Challenges &amp; Solutions</a:t>
             </a:r>
             <a:endParaRPr lang="en-US" sz="3200" dirty="0"/>
           </a:p>
@@ -2725,7 +2689,7 @@
                   <a:srgbClr val="444444"/>
                 </a:solidFill>
               </a:rPr>
-              <a:t>Resources and tools for beginners interested in learning machine learning.</a:t>
+              <a:t>Anticipating and addressing potential obstacles.</a:t>
             </a:r>
             <a:endParaRPr lang="en-US" sz="1800" dirty="0"/>
           </a:p>
@@ -2761,7 +2725,7 @@
                   <a:srgbClr val="555555"/>
                 </a:solidFill>
               </a:rPr>
-              <a:t>• Programming Languages: Python, R, Julia</a:t>
+              <a:t>• Challenge: Information overload → Solution: Smart filtering and summarization</a:t>
             </a:r>
             <a:endParaRPr lang="en-US" sz="1600" dirty="0"/>
           </a:p>
@@ -2797,7 +2761,7 @@
                   <a:srgbClr val="555555"/>
                 </a:solidFill>
               </a:rPr>
-              <a:t>• Popular Libraries: scikit-learn, TensorFlow, PyTorch</a:t>
+              <a:t>• Challenge: Fake news → Solution: Multi-source verification and credibility scoring</a:t>
             </a:r>
             <a:endParaRPr lang="en-US" sz="1600" dirty="0"/>
           </a:p>
@@ -2833,7 +2797,7 @@
                   <a:srgbClr val="555555"/>
                 </a:solidFill>
               </a:rPr>
-              <a:t>• Online Courses: Coursera, edX, fast.ai</a:t>
+              <a:t>• Challenge: Filter bubbles → Solution: Diverse content injection and serendipity features</a:t>
             </a:r>
             <a:endParaRPr lang="en-US" sz="1600" dirty="0"/>
           </a:p>
@@ -2869,7 +2833,7 @@
                   <a:srgbClr val="555555"/>
                 </a:solidFill>
               </a:rPr>
-              <a:t>• Practice Platforms: Kaggle, Google Colab</a:t>
+              <a:t>• Challenge: Real-time performance → Solution: Caching and edge computing</a:t>
             </a:r>
             <a:endParaRPr lang="en-US" sz="1600" dirty="0"/>
           </a:p>
@@ -2905,7 +2869,7 @@
                   <a:srgbClr val="555555"/>
                 </a:solidFill>
               </a:rPr>
-              <a:t>• Books: 'Hands-On Machine Learning' by Aurélien Géron</a:t>
+              <a:t>• Challenge: User retention → Solution: Gamification and community features</a:t>
             </a:r>
             <a:endParaRPr lang="en-US" sz="1600" dirty="0"/>
           </a:p>
@@ -2966,7 +2930,7 @@
                   <a:srgbClr val="363636"/>
                 </a:solidFill>
               </a:rPr>
-              <a:t>Conclusion</a:t>
+              <a:t>Next Steps</a:t>
             </a:r>
             <a:endParaRPr lang="en-US" sz="3200" dirty="0"/>
           </a:p>
@@ -3002,7 +2966,7 @@
                   <a:srgbClr val="444444"/>
                 </a:solidFill>
               </a:rPr>
-              <a:t>Machine learning is a powerful technology that continues to reshape how we solve complex problems across industries.</a:t>
+              <a:t>Action items to move from concept to reality.</a:t>
             </a:r>
             <a:endParaRPr lang="en-US" sz="1800" dirty="0"/>
           </a:p>
@@ -3017,30 +2981,30 @@
         <p:spPr>
           <a:xfrm>
             <a:off x="457200" y="2148840"/>
-            <a:ext cx="8229600" cy="685800"/>
-          </a:xfrm>
-          <a:prstGeom prst="rect">
-            <a:avLst/>
-          </a:prstGeom>
-          <a:noFill/>
-          <a:ln/>
-        </p:spPr>
-        <p:txBody>
-          <a:bodyPr wrap="square" rtlCol="0" anchor="ctr"/>
-          <a:lstStyle/>
-          <a:p>
-            <a:pPr indent="0" marL="0">
-              <a:buNone/>
-            </a:pPr>
-            <a:r>
-              <a:rPr lang="en-US" sz="1800" dirty="0">
-                <a:solidFill>
-                  <a:srgbClr val="444444"/>
-                </a:solidFill>
-              </a:rPr>
-              <a:t>Understanding its fundamentals, applications, and ethical considerations is essential for leveraging its potential responsibly.</a:t>
-            </a:r>
-            <a:endParaRPr lang="en-US" sz="1800" dirty="0"/>
+            <a:ext cx="7772400" cy="457200"/>
+          </a:xfrm>
+          <a:prstGeom prst="rect">
+            <a:avLst/>
+          </a:prstGeom>
+          <a:noFill/>
+          <a:ln/>
+        </p:spPr>
+        <p:txBody>
+          <a:bodyPr wrap="square" rtlCol="0" anchor="ctr"/>
+          <a:lstStyle/>
+          <a:p>
+            <a:pPr indent="0" marL="0">
+              <a:buNone/>
+            </a:pPr>
+            <a:r>
+              <a:rPr lang="en-US" sz="1600" dirty="0">
+                <a:solidFill>
+                  <a:srgbClr val="555555"/>
+                </a:solidFill>
+              </a:rPr>
+              <a:t>• Define detailed product requirements document (PRD)</a:t>
+            </a:r>
+            <a:endParaRPr lang="en-US" sz="1600" dirty="0"/>
           </a:p>
         </p:txBody>
       </p:sp>
@@ -3052,31 +3016,31 @@
         </p:nvSpPr>
         <p:spPr>
           <a:xfrm>
-            <a:off x="457200" y="2926080"/>
-            <a:ext cx="8229600" cy="685800"/>
-          </a:xfrm>
-          <a:prstGeom prst="rect">
-            <a:avLst/>
-          </a:prstGeom>
-          <a:noFill/>
-          <a:ln/>
-        </p:spPr>
-        <p:txBody>
-          <a:bodyPr wrap="square" rtlCol="0" anchor="ctr"/>
-          <a:lstStyle/>
-          <a:p>
-            <a:pPr indent="0" marL="0">
-              <a:buNone/>
-            </a:pPr>
-            <a:r>
-              <a:rPr lang="en-US" sz="1800" dirty="0">
-                <a:solidFill>
-                  <a:srgbClr val="444444"/>
-                </a:solidFill>
-              </a:rPr>
-              <a:t>The future holds exciting possibilities as ML technology continues to advance and integrate into our daily lives.</a:t>
-            </a:r>
-            <a:endParaRPr lang="en-US" sz="1800" dirty="0"/>
+            <a:off x="457200" y="2651760"/>
+            <a:ext cx="7772400" cy="457200"/>
+          </a:xfrm>
+          <a:prstGeom prst="rect">
+            <a:avLst/>
+          </a:prstGeom>
+          <a:noFill/>
+          <a:ln/>
+        </p:spPr>
+        <p:txBody>
+          <a:bodyPr wrap="square" rtlCol="0" anchor="ctr"/>
+          <a:lstStyle/>
+          <a:p>
+            <a:pPr indent="0" marL="0">
+              <a:buNone/>
+            </a:pPr>
+            <a:r>
+              <a:rPr lang="en-US" sz="1600" dirty="0">
+                <a:solidFill>
+                  <a:srgbClr val="555555"/>
+                </a:solidFill>
+              </a:rPr>
+              <a:t>• Conduct market research and competitive analysis</a:t>
+            </a:r>
+            <a:endParaRPr lang="en-US" sz="1600" dirty="0"/>
           </a:p>
         </p:txBody>
       </p:sp>
@@ -3088,29 +3052,29 @@
         </p:nvSpPr>
         <p:spPr>
           <a:xfrm>
-            <a:off x="457200" y="3703320"/>
-            <a:ext cx="7772400" cy="457200"/>
-          </a:xfrm>
-          <a:prstGeom prst="rect">
-            <a:avLst/>
-          </a:prstGeom>
-          <a:noFill/>
-          <a:ln/>
-        </p:spPr>
-        <p:txBody>
-          <a:bodyPr wrap="square" rtlCol="0" anchor="ctr"/>
-          <a:lstStyle/>
-          <a:p>
-            <a:pPr indent="0" marL="0">
-              <a:buNone/>
-            </a:pPr>
-            <a:r>
-              <a:rPr lang="en-US" sz="1600" dirty="0">
-                <a:solidFill>
-                  <a:srgbClr val="555555"/>
-                </a:solidFill>
-              </a:rPr>
-              <a:t>• ML is transforming industries worldwide</a:t>
+            <a:off x="457200" y="3154680"/>
+            <a:ext cx="7772400" cy="457200"/>
+          </a:xfrm>
+          <a:prstGeom prst="rect">
+            <a:avLst/>
+          </a:prstGeom>
+          <a:noFill/>
+          <a:ln/>
+        </p:spPr>
+        <p:txBody>
+          <a:bodyPr wrap="square" rtlCol="0" anchor="ctr"/>
+          <a:lstStyle/>
+          <a:p>
+            <a:pPr indent="0" marL="0">
+              <a:buNone/>
+            </a:pPr>
+            <a:r>
+              <a:rPr lang="en-US" sz="1600" dirty="0">
+                <a:solidFill>
+                  <a:srgbClr val="555555"/>
+                </a:solidFill>
+              </a:rPr>
+              <a:t>• Build prototype with mock content</a:t>
             </a:r>
             <a:endParaRPr lang="en-US" sz="1600" dirty="0"/>
           </a:p>
@@ -3124,29 +3088,29 @@
         </p:nvSpPr>
         <p:spPr>
           <a:xfrm>
-            <a:off x="457200" y="4206240"/>
-            <a:ext cx="7772400" cy="457200"/>
-          </a:xfrm>
-          <a:prstGeom prst="rect">
-            <a:avLst/>
-          </a:prstGeom>
-          <a:noFill/>
-          <a:ln/>
-        </p:spPr>
-        <p:txBody>
-          <a:bodyPr wrap="square" rtlCol="0" anchor="ctr"/>
-          <a:lstStyle/>
-          <a:p>
-            <a:pPr indent="0" marL="0">
-              <a:buNone/>
-            </a:pPr>
-            <a:r>
-              <a:rPr lang="en-US" sz="1600" dirty="0">
-                <a:solidFill>
-                  <a:srgbClr val="555555"/>
-                </a:solidFill>
-              </a:rPr>
-              <a:t>• Continuous learning and adaptation is key</a:t>
+            <a:off x="457200" y="3657600"/>
+            <a:ext cx="7772400" cy="457200"/>
+          </a:xfrm>
+          <a:prstGeom prst="rect">
+            <a:avLst/>
+          </a:prstGeom>
+          <a:noFill/>
+          <a:ln/>
+        </p:spPr>
+        <p:txBody>
+          <a:bodyPr wrap="square" rtlCol="0" anchor="ctr"/>
+          <a:lstStyle/>
+          <a:p>
+            <a:pPr indent="0" marL="0">
+              <a:buNone/>
+            </a:pPr>
+            <a:r>
+              <a:rPr lang="en-US" sz="1600" dirty="0">
+                <a:solidFill>
+                  <a:srgbClr val="555555"/>
+                </a:solidFill>
+              </a:rPr>
+              <a:t>• Assemble technical team (AI engineers, Full-stack devs, UX designers)</a:t>
             </a:r>
             <a:endParaRPr lang="en-US" sz="1600" dirty="0"/>
           </a:p>
@@ -3160,29 +3124,29 @@
         </p:nvSpPr>
         <p:spPr>
           <a:xfrm>
-            <a:off x="457200" y="4709160"/>
-            <a:ext cx="7772400" cy="457200"/>
-          </a:xfrm>
-          <a:prstGeom prst="rect">
-            <a:avLst/>
-          </a:prstGeom>
-          <a:noFill/>
-          <a:ln/>
-        </p:spPr>
-        <p:txBody>
-          <a:bodyPr wrap="square" rtlCol="0" anchor="ctr"/>
-          <a:lstStyle/>
-          <a:p>
-            <a:pPr indent="0" marL="0">
-              <a:buNone/>
-            </a:pPr>
-            <a:r>
-              <a:rPr lang="en-US" sz="1600" dirty="0">
-                <a:solidFill>
-                  <a:srgbClr val="555555"/>
-                </a:solidFill>
-              </a:rPr>
-              <a:t>• Ethical development is crucial</a:t>
+            <a:off x="457200" y="4160520"/>
+            <a:ext cx="7772400" cy="457200"/>
+          </a:xfrm>
+          <a:prstGeom prst="rect">
+            <a:avLst/>
+          </a:prstGeom>
+          <a:noFill/>
+          <a:ln/>
+        </p:spPr>
+        <p:txBody>
+          <a:bodyPr wrap="square" rtlCol="0" anchor="ctr"/>
+          <a:lstStyle/>
+          <a:p>
+            <a:pPr indent="0" marL="0">
+              <a:buNone/>
+            </a:pPr>
+            <a:r>
+              <a:rPr lang="en-US" sz="1600" dirty="0">
+                <a:solidFill>
+                  <a:srgbClr val="555555"/>
+                </a:solidFill>
+              </a:rPr>
+              <a:t>• Secure initial funding or bootstrap resources</a:t>
             </a:r>
             <a:endParaRPr lang="en-US" sz="1600" dirty="0"/>
           </a:p>
@@ -3196,29 +3160,29 @@
         </p:nvSpPr>
         <p:spPr>
           <a:xfrm>
-            <a:off x="457200" y="5212080"/>
-            <a:ext cx="7772400" cy="457200"/>
-          </a:xfrm>
-          <a:prstGeom prst="rect">
-            <a:avLst/>
-          </a:prstGeom>
-          <a:noFill/>
-          <a:ln/>
-        </p:spPr>
-        <p:txBody>
-          <a:bodyPr wrap="square" rtlCol="0" anchor="ctr"/>
-          <a:lstStyle/>
-          <a:p>
-            <a:pPr indent="0" marL="0">
-              <a:buNone/>
-            </a:pPr>
-            <a:r>
-              <a:rPr lang="en-US" sz="1600" dirty="0">
-                <a:solidFill>
-                  <a:srgbClr val="555555"/>
-                </a:solidFill>
-              </a:rPr>
-              <a:t>• Endless possibilities for innovation</a:t>
+            <a:off x="457200" y="4663440"/>
+            <a:ext cx="7772400" cy="457200"/>
+          </a:xfrm>
+          <a:prstGeom prst="rect">
+            <a:avLst/>
+          </a:prstGeom>
+          <a:noFill/>
+          <a:ln/>
+        </p:spPr>
+        <p:txBody>
+          <a:bodyPr wrap="square" rtlCol="0" anchor="ctr"/>
+          <a:lstStyle/>
+          <a:p>
+            <a:pPr indent="0" marL="0">
+              <a:buNone/>
+            </a:pPr>
+            <a:r>
+              <a:rPr lang="en-US" sz="1600" dirty="0">
+                <a:solidFill>
+                  <a:srgbClr val="555555"/>
+                </a:solidFill>
+              </a:rPr>
+              <a:t>• Establish partnerships with news content providers</a:t>
             </a:r>
             <a:endParaRPr lang="en-US" sz="1600" dirty="0"/>
           </a:p>
@@ -3279,7 +3243,7 @@
                   <a:srgbClr val="363636"/>
                 </a:solidFill>
               </a:rPr>
-              <a:t>What is Machine Learning?</a:t>
+              <a:t>Vision &amp; Concept</a:t>
             </a:r>
             <a:endParaRPr lang="en-US" sz="3200" dirty="0"/>
           </a:p>
@@ -3315,7 +3279,7 @@
                   <a:srgbClr val="444444"/>
                 </a:solidFill>
               </a:rPr>
-              <a:t>Machine Learning (ML) is a subset of artificial intelligence that enables computers to learn from data and improve their performance without being explicitly programmed.</a:t>
+              <a:t>An intelligent news aggregation platform that automatically collects, curates, and delivers personalized news content to users based on their unique personas, interests, and preferences.</a:t>
             </a:r>
             <a:endParaRPr lang="en-US" sz="1800" dirty="0"/>
           </a:p>
@@ -3330,30 +3294,30 @@
         <p:spPr>
           <a:xfrm>
             <a:off x="457200" y="2148840"/>
-            <a:ext cx="8229600" cy="685800"/>
-          </a:xfrm>
-          <a:prstGeom prst="rect">
-            <a:avLst/>
-          </a:prstGeom>
-          <a:noFill/>
-          <a:ln/>
-        </p:spPr>
-        <p:txBody>
-          <a:bodyPr wrap="square" rtlCol="0" anchor="ctr"/>
-          <a:lstStyle/>
-          <a:p>
-            <a:pPr indent="0" marL="0">
-              <a:buNone/>
-            </a:pPr>
-            <a:r>
-              <a:rPr lang="en-US" sz="1800" dirty="0">
-                <a:solidFill>
-                  <a:srgbClr val="444444"/>
-                </a:solidFill>
-              </a:rPr>
-              <a:t>It focuses on developing algorithms that can identify patterns, make predictions, and automate decision-making processes.</a:t>
-            </a:r>
-            <a:endParaRPr lang="en-US" sz="1800" dirty="0"/>
+            <a:ext cx="7772400" cy="457200"/>
+          </a:xfrm>
+          <a:prstGeom prst="rect">
+            <a:avLst/>
+          </a:prstGeom>
+          <a:noFill/>
+          <a:ln/>
+        </p:spPr>
+        <p:txBody>
+          <a:bodyPr wrap="square" rtlCol="0" anchor="ctr"/>
+          <a:lstStyle/>
+          <a:p>
+            <a:pPr indent="0" marL="0">
+              <a:buNone/>
+            </a:pPr>
+            <a:r>
+              <a:rPr lang="en-US" sz="1600" dirty="0">
+                <a:solidFill>
+                  <a:srgbClr val="555555"/>
+                </a:solidFill>
+              </a:rPr>
+              <a:t>• AI-driven content collection from multiple sources</a:t>
+            </a:r>
+            <a:endParaRPr lang="en-US" sz="1600" dirty="0"/>
           </a:p>
         </p:txBody>
       </p:sp>
@@ -3365,31 +3329,31 @@
         </p:nvSpPr>
         <p:spPr>
           <a:xfrm>
-            <a:off x="457200" y="2926080"/>
-            <a:ext cx="8229600" cy="685800"/>
-          </a:xfrm>
-          <a:prstGeom prst="rect">
-            <a:avLst/>
-          </a:prstGeom>
-          <a:noFill/>
-          <a:ln/>
-        </p:spPr>
-        <p:txBody>
-          <a:bodyPr wrap="square" rtlCol="0" anchor="ctr"/>
-          <a:lstStyle/>
-          <a:p>
-            <a:pPr indent="0" marL="0">
-              <a:buNone/>
-            </a:pPr>
-            <a:r>
-              <a:rPr lang="en-US" sz="1800" dirty="0">
-                <a:solidFill>
-                  <a:srgbClr val="444444"/>
-                </a:solidFill>
-              </a:rPr>
-              <a:t>ML systems learn from experience (data) and generalize to new, unseen situations.</a:t>
-            </a:r>
-            <a:endParaRPr lang="en-US" sz="1800" dirty="0"/>
+            <a:off x="457200" y="2651760"/>
+            <a:ext cx="7772400" cy="457200"/>
+          </a:xfrm>
+          <a:prstGeom prst="rect">
+            <a:avLst/>
+          </a:prstGeom>
+          <a:noFill/>
+          <a:ln/>
+        </p:spPr>
+        <p:txBody>
+          <a:bodyPr wrap="square" rtlCol="0" anchor="ctr"/>
+          <a:lstStyle/>
+          <a:p>
+            <a:pPr indent="0" marL="0">
+              <a:buNone/>
+            </a:pPr>
+            <a:r>
+              <a:rPr lang="en-US" sz="1600" dirty="0">
+                <a:solidFill>
+                  <a:srgbClr val="555555"/>
+                </a:solidFill>
+              </a:rPr>
+              <a:t>• Automatic categorization and summarization</a:t>
+            </a:r>
+            <a:endParaRPr lang="en-US" sz="1600" dirty="0"/>
           </a:p>
         </p:txBody>
       </p:sp>
@@ -3401,29 +3365,29 @@
         </p:nvSpPr>
         <p:spPr>
           <a:xfrm>
-            <a:off x="457200" y="3703320"/>
-            <a:ext cx="7772400" cy="457200"/>
-          </a:xfrm>
-          <a:prstGeom prst="rect">
-            <a:avLst/>
-          </a:prstGeom>
-          <a:noFill/>
-          <a:ln/>
-        </p:spPr>
-        <p:txBody>
-          <a:bodyPr wrap="square" rtlCol="0" anchor="ctr"/>
-          <a:lstStyle/>
-          <a:p>
-            <a:pPr indent="0" marL="0">
-              <a:buNone/>
-            </a:pPr>
-            <a:r>
-              <a:rPr lang="en-US" sz="1600" dirty="0">
-                <a:solidFill>
-                  <a:srgbClr val="555555"/>
-                </a:solidFill>
-              </a:rPr>
-              <a:t>• Subset of Artificial Intelligence</a:t>
+            <a:off x="457200" y="3154680"/>
+            <a:ext cx="7772400" cy="457200"/>
+          </a:xfrm>
+          <a:prstGeom prst="rect">
+            <a:avLst/>
+          </a:prstGeom>
+          <a:noFill/>
+          <a:ln/>
+        </p:spPr>
+        <p:txBody>
+          <a:bodyPr wrap="square" rtlCol="0" anchor="ctr"/>
+          <a:lstStyle/>
+          <a:p>
+            <a:pPr indent="0" marL="0">
+              <a:buNone/>
+            </a:pPr>
+            <a:r>
+              <a:rPr lang="en-US" sz="1600" dirty="0">
+                <a:solidFill>
+                  <a:srgbClr val="555555"/>
+                </a:solidFill>
+              </a:rPr>
+              <a:t>• Persona-based news personalization</a:t>
             </a:r>
             <a:endParaRPr lang="en-US" sz="1600" dirty="0"/>
           </a:p>
@@ -3437,101 +3401,29 @@
         </p:nvSpPr>
         <p:spPr>
           <a:xfrm>
-            <a:off x="457200" y="4206240"/>
-            <a:ext cx="7772400" cy="457200"/>
-          </a:xfrm>
-          <a:prstGeom prst="rect">
-            <a:avLst/>
-          </a:prstGeom>
-          <a:noFill/>
-          <a:ln/>
-        </p:spPr>
-        <p:txBody>
-          <a:bodyPr wrap="square" rtlCol="0" anchor="ctr"/>
-          <a:lstStyle/>
-          <a:p>
-            <a:pPr indent="0" marL="0">
-              <a:buNone/>
-            </a:pPr>
-            <a:r>
-              <a:rPr lang="en-US" sz="1600" dirty="0">
-                <a:solidFill>
-                  <a:srgbClr val="555555"/>
-                </a:solidFill>
-              </a:rPr>
-              <a:t>• Data-driven approach</a:t>
-            </a:r>
-            <a:endParaRPr lang="en-US" sz="1600" dirty="0"/>
-          </a:p>
-        </p:txBody>
-      </p:sp>
-      <p:sp>
-        <p:nvSpPr>
-          <p:cNvPr id="8" name="Text 6"/>
-          <p:cNvSpPr/>
-          <p:nvPr/>
-        </p:nvSpPr>
-        <p:spPr>
-          <a:xfrm>
-            <a:off x="457200" y="4709160"/>
-            <a:ext cx="7772400" cy="457200"/>
-          </a:xfrm>
-          <a:prstGeom prst="rect">
-            <a:avLst/>
-          </a:prstGeom>
-          <a:noFill/>
-          <a:ln/>
-        </p:spPr>
-        <p:txBody>
-          <a:bodyPr wrap="square" rtlCol="0" anchor="ctr"/>
-          <a:lstStyle/>
-          <a:p>
-            <a:pPr indent="0" marL="0">
-              <a:buNone/>
-            </a:pPr>
-            <a:r>
-              <a:rPr lang="en-US" sz="1600" dirty="0">
-                <a:solidFill>
-                  <a:srgbClr val="555555"/>
-                </a:solidFill>
-              </a:rPr>
-              <a:t>• Automated pattern recognition</a:t>
-            </a:r>
-            <a:endParaRPr lang="en-US" sz="1600" dirty="0"/>
-          </a:p>
-        </p:txBody>
-      </p:sp>
-      <p:sp>
-        <p:nvSpPr>
-          <p:cNvPr id="9" name="Text 7"/>
-          <p:cNvSpPr/>
-          <p:nvPr/>
-        </p:nvSpPr>
-        <p:spPr>
-          <a:xfrm>
-            <a:off x="457200" y="5212080"/>
-            <a:ext cx="7772400" cy="457200"/>
-          </a:xfrm>
-          <a:prstGeom prst="rect">
-            <a:avLst/>
-          </a:prstGeom>
-          <a:noFill/>
-          <a:ln/>
-        </p:spPr>
-        <p:txBody>
-          <a:bodyPr wrap="square" rtlCol="0" anchor="ctr"/>
-          <a:lstStyle/>
-          <a:p>
-            <a:pPr indent="0" marL="0">
-              <a:buNone/>
-            </a:pPr>
-            <a:r>
-              <a:rPr lang="en-US" sz="1600" dirty="0">
-                <a:solidFill>
-                  <a:srgbClr val="555555"/>
-                </a:solidFill>
-              </a:rPr>
-              <a:t>• Continuous improvement</a:t>
+            <a:off x="457200" y="3657600"/>
+            <a:ext cx="7772400" cy="457200"/>
+          </a:xfrm>
+          <a:prstGeom prst="rect">
+            <a:avLst/>
+          </a:prstGeom>
+          <a:noFill/>
+          <a:ln/>
+        </p:spPr>
+        <p:txBody>
+          <a:bodyPr wrap="square" rtlCol="0" anchor="ctr"/>
+          <a:lstStyle/>
+          <a:p>
+            <a:pPr indent="0" marL="0">
+              <a:buNone/>
+            </a:pPr>
+            <a:r>
+              <a:rPr lang="en-US" sz="1600" dirty="0">
+                <a:solidFill>
+                  <a:srgbClr val="555555"/>
+                </a:solidFill>
+              </a:rPr>
+              <a:t>• Real-time push notifications</a:t>
             </a:r>
             <a:endParaRPr lang="en-US" sz="1600" dirty="0"/>
           </a:p>
@@ -3592,7 +3484,7 @@
                   <a:srgbClr val="363636"/>
                 </a:solidFill>
               </a:rPr>
-              <a:t>Types of Machine Learning</a:t>
+              <a:t>Core Architecture</a:t>
             </a:r>
             <a:endParaRPr lang="en-US" sz="3200" dirty="0"/>
           </a:p>
@@ -3628,7 +3520,7 @@
                   <a:srgbClr val="444444"/>
                 </a:solidFill>
               </a:rPr>
-              <a:t>Machine learning algorithms are categorized based on the type of data and learning approach used.</a:t>
+              <a:t>The system comprises four main components working in harmony to deliver a seamless personalized news experience.</a:t>
             </a:r>
             <a:endParaRPr lang="en-US" sz="1800" dirty="0"/>
           </a:p>
@@ -3664,7 +3556,7 @@
                   <a:srgbClr val="555555"/>
                 </a:solidFill>
               </a:rPr>
-              <a:t>• Supervised Learning: Learning from labeled data with known outcomes</a:t>
+              <a:t>• Content Aggregation Engine - Scrapes news from APIs, RSS feeds, and web sources</a:t>
             </a:r>
             <a:endParaRPr lang="en-US" sz="1600" dirty="0"/>
           </a:p>
@@ -3700,7 +3592,7 @@
                   <a:srgbClr val="555555"/>
                 </a:solidFill>
               </a:rPr>
-              <a:t>• Unsupervised Learning: Discovering patterns in unlabeled data</a:t>
+              <a:t>• AI Processing Pipeline - NLP for analysis, summarization, and categorization</a:t>
             </a:r>
             <a:endParaRPr lang="en-US" sz="1600" dirty="0"/>
           </a:p>
@@ -3736,7 +3628,7 @@
                   <a:srgbClr val="555555"/>
                 </a:solidFill>
               </a:rPr>
-              <a:t>• Reinforcement Learning: Learning through trial and error with rewards</a:t>
+              <a:t>• Persona Engine - Creates and updates user profiles based on behavior</a:t>
             </a:r>
             <a:endParaRPr lang="en-US" sz="1600" dirty="0"/>
           </a:p>
@@ -3772,7 +3664,7 @@
                   <a:srgbClr val="555555"/>
                 </a:solidFill>
               </a:rPr>
-              <a:t>• Semi-supervised Learning: Combining labeled and unlabeled data</a:t>
+              <a:t>• Delivery System - Pushes curated content via app, email, or notifications</a:t>
             </a:r>
             <a:endParaRPr lang="en-US" sz="1600" dirty="0"/>
           </a:p>
@@ -3833,7 +3725,7 @@
                   <a:srgbClr val="363636"/>
                 </a:solidFill>
               </a:rPr>
-              <a:t>Supervised Learning</a:t>
+              <a:t>Content Collection &amp; Processing</a:t>
             </a:r>
             <a:endParaRPr lang="en-US" sz="3200" dirty="0"/>
           </a:p>
@@ -3869,7 +3761,7 @@
                   <a:srgbClr val="444444"/>
                 </a:solidFill>
               </a:rPr>
-              <a:t>The most common type of ML where models learn from labeled training data to make predictions on new data.</a:t>
+              <a:t>The AI continuously gathers news from diverse sources and processes it intelligently.</a:t>
             </a:r>
             <a:endParaRPr lang="en-US" sz="1800" dirty="0"/>
           </a:p>
@@ -3905,7 +3797,7 @@
                   <a:srgbClr val="555555"/>
                 </a:solidFill>
               </a:rPr>
-              <a:t>• Classification: Predicting discrete categories (spam detection, image recognition)</a:t>
+              <a:t>• Multi-source aggregation: News APIs, RSS feeds, social media, websites</a:t>
             </a:r>
             <a:endParaRPr lang="en-US" sz="1600" dirty="0"/>
           </a:p>
@@ -3941,7 +3833,7 @@
                   <a:srgbClr val="555555"/>
                 </a:solidFill>
               </a:rPr>
-              <a:t>• Regression: Predicting continuous values (price prediction, weather forecasting)</a:t>
+              <a:t>• Duplicate detection and deduplication</a:t>
             </a:r>
             <a:endParaRPr lang="en-US" sz="1600" dirty="0"/>
           </a:p>
@@ -3977,7 +3869,79 @@
                   <a:srgbClr val="555555"/>
                 </a:solidFill>
               </a:rPr>
-              <a:t>• Common algorithms: Linear Regression, Decision Trees, Random Forests, SVM, Neural Networks</a:t>
+              <a:t>• AI-powered summarization using Large Language Models</a:t>
+            </a:r>
+            <a:endParaRPr lang="en-US" sz="1600" dirty="0"/>
+          </a:p>
+        </p:txBody>
+      </p:sp>
+      <p:sp>
+        <p:nvSpPr>
+          <p:cNvPr id="7" name="Text 5"/>
+          <p:cNvSpPr/>
+          <p:nvPr/>
+        </p:nvSpPr>
+        <p:spPr>
+          <a:xfrm>
+            <a:off x="457200" y="3657600"/>
+            <a:ext cx="7772400" cy="457200"/>
+          </a:xfrm>
+          <a:prstGeom prst="rect">
+            <a:avLst/>
+          </a:prstGeom>
+          <a:noFill/>
+          <a:ln/>
+        </p:spPr>
+        <p:txBody>
+          <a:bodyPr wrap="square" rtlCol="0" anchor="ctr"/>
+          <a:lstStyle/>
+          <a:p>
+            <a:pPr indent="0" marL="0">
+              <a:buNone/>
+            </a:pPr>
+            <a:r>
+              <a:rPr lang="en-US" sz="1600" dirty="0">
+                <a:solidFill>
+                  <a:srgbClr val="555555"/>
+                </a:solidFill>
+              </a:rPr>
+              <a:t>• Automatic topic classification and tagging</a:t>
+            </a:r>
+            <a:endParaRPr lang="en-US" sz="1600" dirty="0"/>
+          </a:p>
+        </p:txBody>
+      </p:sp>
+      <p:sp>
+        <p:nvSpPr>
+          <p:cNvPr id="8" name="Text 6"/>
+          <p:cNvSpPr/>
+          <p:nvPr/>
+        </p:nvSpPr>
+        <p:spPr>
+          <a:xfrm>
+            <a:off x="457200" y="4160520"/>
+            <a:ext cx="7772400" cy="457200"/>
+          </a:xfrm>
+          <a:prstGeom prst="rect">
+            <a:avLst/>
+          </a:prstGeom>
+          <a:noFill/>
+          <a:ln/>
+        </p:spPr>
+        <p:txBody>
+          <a:bodyPr wrap="square" rtlCol="0" anchor="ctr"/>
+          <a:lstStyle/>
+          <a:p>
+            <a:pPr indent="0" marL="0">
+              <a:buNone/>
+            </a:pPr>
+            <a:r>
+              <a:rPr lang="en-US" sz="1600" dirty="0">
+                <a:solidFill>
+                  <a:srgbClr val="555555"/>
+                </a:solidFill>
+              </a:rPr>
+              <a:t>• Sentiment analysis and fact-checking integration</a:t>
             </a:r>
             <a:endParaRPr lang="en-US" sz="1600" dirty="0"/>
           </a:p>
@@ -4038,7 +4002,7 @@
                   <a:srgbClr val="363636"/>
                 </a:solidFill>
               </a:rPr>
-              <a:t>Unsupervised Learning</a:t>
+              <a:t>Persona-Based Personalization</a:t>
             </a:r>
             <a:endParaRPr lang="en-US" sz="3200" dirty="0"/>
           </a:p>
@@ -4074,7 +4038,7 @@
                   <a:srgbClr val="444444"/>
                 </a:solidFill>
               </a:rPr>
-              <a:t>Algorithms that discover hidden patterns and structures in data without predefined labels or outcomes.</a:t>
+              <a:t>Each user receives a unique news experience tailored to their persona.</a:t>
             </a:r>
             <a:endParaRPr lang="en-US" sz="1800" dirty="0"/>
           </a:p>
@@ -4110,7 +4074,7 @@
                   <a:srgbClr val="555555"/>
                 </a:solidFill>
               </a:rPr>
-              <a:t>• Clustering: Grouping similar data points (customer segmentation)</a:t>
+              <a:t>• Initial onboarding quiz to establish base persona</a:t>
             </a:r>
             <a:endParaRPr lang="en-US" sz="1600" dirty="0"/>
           </a:p>
@@ -4146,7 +4110,7 @@
                   <a:srgbClr val="555555"/>
                 </a:solidFill>
               </a:rPr>
-              <a:t>• Dimensionality Reduction: Simplifying complex data (PCA, t-SNE)</a:t>
+              <a:t>• Behavioral tracking: clicks, read time, shares, bookmarks</a:t>
             </a:r>
             <a:endParaRPr lang="en-US" sz="1600" dirty="0"/>
           </a:p>
@@ -4182,7 +4146,7 @@
                   <a:srgbClr val="555555"/>
                 </a:solidFill>
               </a:rPr>
-              <a:t>• Association: Finding relationships between variables (market basket analysis)</a:t>
+              <a:t>• Dynamic persona updates based on engagement patterns</a:t>
             </a:r>
             <a:endParaRPr lang="en-US" sz="1600" dirty="0"/>
           </a:p>
@@ -4218,7 +4182,43 @@
                   <a:srgbClr val="555555"/>
                 </a:solidFill>
               </a:rPr>
-              <a:t>• Common algorithms: K-Means, DBSCAN, Hierarchical Clustering</a:t>
+              <a:t>• Interest categories: Technology, Politics, Sports, Finance, Entertainment, etc.</a:t>
+            </a:r>
+            <a:endParaRPr lang="en-US" sz="1600" dirty="0"/>
+          </a:p>
+        </p:txBody>
+      </p:sp>
+      <p:sp>
+        <p:nvSpPr>
+          <p:cNvPr id="8" name="Text 6"/>
+          <p:cNvSpPr/>
+          <p:nvPr/>
+        </p:nvSpPr>
+        <p:spPr>
+          <a:xfrm>
+            <a:off x="457200" y="4160520"/>
+            <a:ext cx="7772400" cy="457200"/>
+          </a:xfrm>
+          <a:prstGeom prst="rect">
+            <a:avLst/>
+          </a:prstGeom>
+          <a:noFill/>
+          <a:ln/>
+        </p:spPr>
+        <p:txBody>
+          <a:bodyPr wrap="square" rtlCol="0" anchor="ctr"/>
+          <a:lstStyle/>
+          <a:p>
+            <a:pPr indent="0" marL="0">
+              <a:buNone/>
+            </a:pPr>
+            <a:r>
+              <a:rPr lang="en-US" sz="1600" dirty="0">
+                <a:solidFill>
+                  <a:srgbClr val="555555"/>
+                </a:solidFill>
+              </a:rPr>
+              <a:t>• Reading level and content length preferences</a:t>
             </a:r>
             <a:endParaRPr lang="en-US" sz="1600" dirty="0"/>
           </a:p>
@@ -4279,7 +4279,7 @@
                   <a:srgbClr val="363636"/>
                 </a:solidFill>
               </a:rPr>
-              <a:t>Reinforcement Learning</a:t>
+              <a:t>AI Models &amp; Technologies</a:t>
             </a:r>
             <a:endParaRPr lang="en-US" sz="3200" dirty="0"/>
           </a:p>
@@ -4315,7 +4315,7 @@
                   <a:srgbClr val="444444"/>
                 </a:solidFill>
               </a:rPr>
-              <a:t>An approach where an agent learns to make decisions by performing actions and receiving rewards or penalties.</a:t>
+              <a:t>Leveraging cutting-edge AI technologies for intelligent news curation.</a:t>
             </a:r>
             <a:endParaRPr lang="en-US" sz="1800" dirty="0"/>
           </a:p>
@@ -4351,7 +4351,7 @@
                   <a:srgbClr val="555555"/>
                 </a:solidFill>
               </a:rPr>
-              <a:t>• Agent-Environment interaction loop</a:t>
+              <a:t>• Large Language Models (GPT, Claude, LLaMA) for summarization</a:t>
             </a:r>
             <a:endParaRPr lang="en-US" sz="1600" dirty="0"/>
           </a:p>
@@ -4387,7 +4387,7 @@
                   <a:srgbClr val="555555"/>
                 </a:solidFill>
               </a:rPr>
-              <a:t>• Exploration vs. Exploitation trade-off</a:t>
+              <a:t>• Transformer-based models for content classification</a:t>
             </a:r>
             <a:endParaRPr lang="en-US" sz="1600" dirty="0"/>
           </a:p>
@@ -4423,7 +4423,7 @@
                   <a:srgbClr val="555555"/>
                 </a:solidFill>
               </a:rPr>
-              <a:t>• Applications: Game playing, robotics, autonomous vehicles</a:t>
+              <a:t>• Collaborative filtering for recommendation</a:t>
             </a:r>
             <a:endParaRPr lang="en-US" sz="1600" dirty="0"/>
           </a:p>
@@ -4459,7 +4459,43 @@
                   <a:srgbClr val="555555"/>
                 </a:solidFill>
               </a:rPr>
-              <a:t>• Key algorithms: Q-Learning, Deep Q-Networks, Policy Gradients</a:t>
+              <a:t>• Knowledge graphs for topic relationships</a:t>
+            </a:r>
+            <a:endParaRPr lang="en-US" sz="1600" dirty="0"/>
+          </a:p>
+        </p:txBody>
+      </p:sp>
+      <p:sp>
+        <p:nvSpPr>
+          <p:cNvPr id="8" name="Text 6"/>
+          <p:cNvSpPr/>
+          <p:nvPr/>
+        </p:nvSpPr>
+        <p:spPr>
+          <a:xfrm>
+            <a:off x="457200" y="4160520"/>
+            <a:ext cx="7772400" cy="457200"/>
+          </a:xfrm>
+          <a:prstGeom prst="rect">
+            <a:avLst/>
+          </a:prstGeom>
+          <a:noFill/>
+          <a:ln/>
+        </p:spPr>
+        <p:txBody>
+          <a:bodyPr wrap="square" rtlCol="0" anchor="ctr"/>
+          <a:lstStyle/>
+          <a:p>
+            <a:pPr indent="0" marL="0">
+              <a:buNone/>
+            </a:pPr>
+            <a:r>
+              <a:rPr lang="en-US" sz="1600" dirty="0">
+                <a:solidFill>
+                  <a:srgbClr val="555555"/>
+                </a:solidFill>
+              </a:rPr>
+              <a:t>• Real-time learning and model adaptation</a:t>
             </a:r>
             <a:endParaRPr lang="en-US" sz="1600" dirty="0"/>
           </a:p>
@@ -4520,7 +4556,7 @@
                   <a:srgbClr val="363636"/>
                 </a:solidFill>
               </a:rPr>
-              <a:t>Key ML Algorithms</a:t>
+              <a:t>User Experience Features</a:t>
             </a:r>
             <a:endParaRPr lang="en-US" sz="3200" dirty="0"/>
           </a:p>
@@ -4556,7 +4592,7 @@
                   <a:srgbClr val="444444"/>
                 </a:solidFill>
               </a:rPr>
-              <a:t>A variety of algorithms form the foundation of machine learning, each suited for different types of problems.</a:t>
+              <a:t>A seamless, intuitive interface designed for engagement.</a:t>
             </a:r>
             <a:endParaRPr lang="en-US" sz="1800" dirty="0"/>
           </a:p>
@@ -4592,7 +4628,7 @@
                   <a:srgbClr val="555555"/>
                 </a:solidFill>
               </a:rPr>
-              <a:t>• Linear/Logistic Regression: Simple, interpretable models</a:t>
+              <a:t>• Personalized news feed with infinite scroll</a:t>
             </a:r>
             <a:endParaRPr lang="en-US" sz="1600" dirty="0"/>
           </a:p>
@@ -4628,7 +4664,7 @@
                   <a:srgbClr val="555555"/>
                 </a:solidFill>
               </a:rPr>
-              <a:t>• Decision Trees &amp; Random Forests: Tree-based learning</a:t>
+              <a:t>• Smart notifications based on user schedule</a:t>
             </a:r>
             <a:endParaRPr lang="en-US" sz="1600" dirty="0"/>
           </a:p>
@@ -4664,7 +4700,7 @@
                   <a:srgbClr val="555555"/>
                 </a:solidFill>
               </a:rPr>
-              <a:t>• Support Vector Machines: Effective for classification</a:t>
+              <a:t>• 'For You' vs 'Trending' content views</a:t>
             </a:r>
             <a:endParaRPr lang="en-US" sz="1600" dirty="0"/>
           </a:p>
@@ -4700,7 +4736,7 @@
                   <a:srgbClr val="555555"/>
                 </a:solidFill>
               </a:rPr>
-              <a:t>• Neural Networks: Deep learning for complex patterns</a:t>
+              <a:t>• Audio versions of articles (Text-to-Speech)</a:t>
             </a:r>
             <a:endParaRPr lang="en-US" sz="1600" dirty="0"/>
           </a:p>
@@ -4736,7 +4772,43 @@
                   <a:srgbClr val="555555"/>
                 </a:solidFill>
               </a:rPr>
-              <a:t>• K-Nearest Neighbors: Instance-based learning</a:t>
+              <a:t>• Offline reading mode</a:t>
+            </a:r>
+            <a:endParaRPr lang="en-US" sz="1600" dirty="0"/>
+          </a:p>
+        </p:txBody>
+      </p:sp>
+      <p:sp>
+        <p:nvSpPr>
+          <p:cNvPr id="9" name="Text 7"/>
+          <p:cNvSpPr/>
+          <p:nvPr/>
+        </p:nvSpPr>
+        <p:spPr>
+          <a:xfrm>
+            <a:off x="457200" y="4663440"/>
+            <a:ext cx="7772400" cy="457200"/>
+          </a:xfrm>
+          <a:prstGeom prst="rect">
+            <a:avLst/>
+          </a:prstGeom>
+          <a:noFill/>
+          <a:ln/>
+        </p:spPr>
+        <p:txBody>
+          <a:bodyPr wrap="square" rtlCol="0" anchor="ctr"/>
+          <a:lstStyle/>
+          <a:p>
+            <a:pPr indent="0" marL="0">
+              <a:buNone/>
+            </a:pPr>
+            <a:r>
+              <a:rPr lang="en-US" sz="1600" dirty="0">
+                <a:solidFill>
+                  <a:srgbClr val="555555"/>
+                </a:solidFill>
+              </a:rPr>
+              <a:t>• Dark/Light theme and accessibility options</a:t>
             </a:r>
             <a:endParaRPr lang="en-US" sz="1600" dirty="0"/>
           </a:p>
@@ -4797,7 +4869,7 @@
                   <a:srgbClr val="363636"/>
                 </a:solidFill>
               </a:rPr>
-              <a:t>The ML Workflow</a:t>
+              <a:t>Monetization Strategy</a:t>
             </a:r>
             <a:endParaRPr lang="en-US" sz="3200" dirty="0"/>
           </a:p>
@@ -4833,7 +4905,7 @@
                   <a:srgbClr val="444444"/>
                 </a:solidFill>
               </a:rPr>
-              <a:t>A systematic process for developing and deploying machine learning models effectively.</a:t>
+              <a:t>Sustainable revenue models to support the platform.</a:t>
             </a:r>
             <a:endParaRPr lang="en-US" sz="1800" dirty="0"/>
           </a:p>
@@ -4869,7 +4941,7 @@
                   <a:srgbClr val="555555"/>
                 </a:solidFill>
               </a:rPr>
-              <a:t>• 1. Problem Definition: Clearly define the objective</a:t>
+              <a:t>• Freemium model: Basic free, Premium with advanced features</a:t>
             </a:r>
             <a:endParaRPr lang="en-US" sz="1600" dirty="0"/>
           </a:p>
@@ -4905,7 +4977,7 @@
                   <a:srgbClr val="555555"/>
                 </a:solidFill>
               </a:rPr>
-              <a:t>• 2. Data Collection: Gather relevant, quality data</a:t>
+              <a:t>• Personalized native advertising based on persona (non-intrusive)</a:t>
             </a:r>
             <a:endParaRPr lang="en-US" sz="1600" dirty="0"/>
           </a:p>
@@ -4941,7 +5013,7 @@
                   <a:srgbClr val="555555"/>
                 </a:solidFill>
               </a:rPr>
-              <a:t>• 3. Data Preprocessing: Clean, transform, and prepare data</a:t>
+              <a:t>• Subscription tiers for enterprise teams</a:t>
             </a:r>
             <a:endParaRPr lang="en-US" sz="1600" dirty="0"/>
           </a:p>
@@ -4977,7 +5049,7 @@
                   <a:srgbClr val="555555"/>
                 </a:solidFill>
               </a:rPr>
-              <a:t>• 4. Model Selection: Choose appropriate algorithm</a:t>
+              <a:t>• Licensing the AI technology to other publishers</a:t>
             </a:r>
             <a:endParaRPr lang="en-US" sz="1600" dirty="0"/>
           </a:p>
@@ -5013,79 +5085,7 @@
                   <a:srgbClr val="555555"/>
                 </a:solidFill>
               </a:rPr>
-              <a:t>• 5. Training: Teach the model on training data</a:t>
-            </a:r>
-            <a:endParaRPr lang="en-US" sz="1600" dirty="0"/>
-          </a:p>
-        </p:txBody>
-      </p:sp>
-      <p:sp>
-        <p:nvSpPr>
-          <p:cNvPr id="9" name="Text 7"/>
-          <p:cNvSpPr/>
-          <p:nvPr/>
-        </p:nvSpPr>
-        <p:spPr>
-          <a:xfrm>
-            <a:off x="457200" y="4663440"/>
-            <a:ext cx="7772400" cy="457200"/>
-          </a:xfrm>
-          <a:prstGeom prst="rect">
-            <a:avLst/>
-          </a:prstGeom>
-          <a:noFill/>
-          <a:ln/>
-        </p:spPr>
-        <p:txBody>
-          <a:bodyPr wrap="square" rtlCol="0" anchor="ctr"/>
-          <a:lstStyle/>
-          <a:p>
-            <a:pPr indent="0" marL="0">
-              <a:buNone/>
-            </a:pPr>
-            <a:r>
-              <a:rPr lang="en-US" sz="1600" dirty="0">
-                <a:solidFill>
-                  <a:srgbClr val="555555"/>
-                </a:solidFill>
-              </a:rPr>
-              <a:t>• 6. Evaluation: Test performance on validation data</a:t>
-            </a:r>
-            <a:endParaRPr lang="en-US" sz="1600" dirty="0"/>
-          </a:p>
-        </p:txBody>
-      </p:sp>
-      <p:sp>
-        <p:nvSpPr>
-          <p:cNvPr id="10" name="Text 8"/>
-          <p:cNvSpPr/>
-          <p:nvPr/>
-        </p:nvSpPr>
-        <p:spPr>
-          <a:xfrm>
-            <a:off x="457200" y="5166360"/>
-            <a:ext cx="7772400" cy="457200"/>
-          </a:xfrm>
-          <a:prstGeom prst="rect">
-            <a:avLst/>
-          </a:prstGeom>
-          <a:noFill/>
-          <a:ln/>
-        </p:spPr>
-        <p:txBody>
-          <a:bodyPr wrap="square" rtlCol="0" anchor="ctr"/>
-          <a:lstStyle/>
-          <a:p>
-            <a:pPr indent="0" marL="0">
-              <a:buNone/>
-            </a:pPr>
-            <a:r>
-              <a:rPr lang="en-US" sz="1600" dirty="0">
-                <a:solidFill>
-                  <a:srgbClr val="555555"/>
-                </a:solidFill>
-              </a:rPr>
-              <a:t>• 7. Deployment: Integrate into production systems</a:t>
+              <a:t>• Data insights (anonymized) for market research</a:t>
             </a:r>
             <a:endParaRPr lang="en-US" sz="1600" dirty="0"/>
           </a:p>
@@ -5146,7 +5146,7 @@
                   <a:srgbClr val="363636"/>
                 </a:solidFill>
               </a:rPr>
-              <a:t>Applications of Machine Learning</a:t>
+              <a:t>Technical Stack</a:t>
             </a:r>
             <a:endParaRPr lang="en-US" sz="3200" dirty="0"/>
           </a:p>
@@ -5182,7 +5182,7 @@
                   <a:srgbClr val="444444"/>
                 </a:solidFill>
               </a:rPr>
-              <a:t>Machine learning has transformed numerous industries and everyday applications.</a:t>
+              <a:t>Modern, scalable technologies for robust performance.</a:t>
             </a:r>
             <a:endParaRPr lang="en-US" sz="1800" dirty="0"/>
           </a:p>
@@ -5218,7 +5218,7 @@
                   <a:srgbClr val="555555"/>
                 </a:solidFill>
               </a:rPr>
-              <a:t>• Healthcare: Disease diagnosis, drug discovery, personalized medicine</a:t>
+              <a:t>• Backend: Python/FastAPI or Node.js</a:t>
             </a:r>
             <a:endParaRPr lang="en-US" sz="1600" dirty="0"/>
           </a:p>
@@ -5254,7 +5254,7 @@
                   <a:srgbClr val="555555"/>
                 </a:solidFill>
               </a:rPr>
-              <a:t>• Finance: Fraud detection, algorithmic trading, credit scoring</a:t>
+              <a:t>• Database: PostgreSQL + Vector DB (Pinecone/Milvus)</a:t>
             </a:r>
             <a:endParaRPr lang="en-US" sz="1600" dirty="0"/>
           </a:p>
@@ -5290,7 +5290,7 @@
                   <a:srgbClr val="555555"/>
                 </a:solidFill>
               </a:rPr>
-              <a:t>• Technology: Recommendation systems, voice assistants, image recognition</a:t>
+              <a:t>• AI/ML: PyTorch, Hugging Face, OpenAI API</a:t>
             </a:r>
             <a:endParaRPr lang="en-US" sz="1600" dirty="0"/>
           </a:p>
@@ -5326,7 +5326,7 @@
                   <a:srgbClr val="555555"/>
                 </a:solidFill>
               </a:rPr>
-              <a:t>• Transportation: Autonomous vehicles, route optimization</a:t>
+              <a:t>• Frontend: React Native or Flutter for cross-platform</a:t>
             </a:r>
             <a:endParaRPr lang="en-US" sz="1600" dirty="0"/>
           </a:p>
@@ -5362,7 +5362,43 @@
                   <a:srgbClr val="555555"/>
                 </a:solidFill>
               </a:rPr>
-              <a:t>• Marketing: Customer segmentation, targeted advertising</a:t>
+              <a:t>• Cloud: AWS/GCP with auto-scaling</a:t>
+            </a:r>
+            <a:endParaRPr lang="en-US" sz="1600" dirty="0"/>
+          </a:p>
+        </p:txBody>
+      </p:sp>
+      <p:sp>
+        <p:nvSpPr>
+          <p:cNvPr id="9" name="Text 7"/>
+          <p:cNvSpPr/>
+          <p:nvPr/>
+        </p:nvSpPr>
+        <p:spPr>
+          <a:xfrm>
+            <a:off x="457200" y="4663440"/>
+            <a:ext cx="7772400" cy="457200"/>
+          </a:xfrm>
+          <a:prstGeom prst="rect">
+            <a:avLst/>
+          </a:prstGeom>
+          <a:noFill/>
+          <a:ln/>
+        </p:spPr>
+        <p:txBody>
+          <a:bodyPr wrap="square" rtlCol="0" anchor="ctr"/>
+          <a:lstStyle/>
+          <a:p>
+            <a:pPr indent="0" marL="0">
+              <a:buNone/>
+            </a:pPr>
+            <a:r>
+              <a:rPr lang="en-US" sz="1600" dirty="0">
+                <a:solidFill>
+                  <a:srgbClr val="555555"/>
+                </a:solidFill>
+              </a:rPr>
+              <a:t>• Message Queue: Kafka or RabbitMQ for real-time processing</a:t>
             </a:r>
             <a:endParaRPr lang="en-US" sz="1600" dirty="0"/>
           </a:p>

--- a/apps/api/outputs/ppt/presentation.pptx
+++ b/apps/api/outputs/ppt/presentation.pptx
@@ -11,9 +11,14 @@
     <p:sldId id="259" r:id="rId5"/>
     <p:sldId id="260" r:id="rId6"/>
     <p:sldId id="261" r:id="rId7"/>
+    <p:sldId id="262" r:id="rId8"/>
+    <p:sldId id="263" r:id="rId9"/>
+    <p:sldId id="264" r:id="rId10"/>
+    <p:sldId id="265" r:id="rId11"/>
+    <p:sldId id="266" r:id="rId12"/>
   </p:sldIdLst>
   <p:notesMasterIdLst>
-    <p:notesMasterId r:id="rId8"/>
+    <p:notesMasterId r:id="rId13"/>
   </p:notesMasterIdLst>
   <p:sldSz cx="9144000" cy="5143500"/>
   <p:notesSz cx="5143500" cy="9144000"/>
@@ -549,6 +554,182 @@
 </p:notes>
 </file>
 
+<file path=ppt/notesSlides/notesSlide10.xml><?xml version="1.0" encoding="utf-8"?>
+<p:notes xmlns:a="http://schemas.openxmlformats.org/drawingml/2006/main" xmlns:r="http://schemas.openxmlformats.org/officeDocument/2006/relationships" xmlns:p="http://schemas.openxmlformats.org/presentationml/2006/main">
+  <p:cSld>
+    <p:spTree>
+      <p:nvGrpSpPr>
+        <p:cNvPr id="1" name=""/>
+        <p:cNvGrpSpPr/>
+        <p:nvPr/>
+      </p:nvGrpSpPr>
+      <p:grpSpPr>
+        <a:xfrm>
+          <a:off x="0" y="0"/>
+          <a:ext cx="0" cy="0"/>
+          <a:chOff x="0" y="0"/>
+          <a:chExt cx="0" cy="0"/>
+        </a:xfrm>
+      </p:grpSpPr>
+      <p:sp>
+        <p:nvSpPr>
+          <p:cNvPr id="2" name="Slide Image Placeholder 1"/>
+          <p:cNvSpPr>
+            <a:spLocks noGrp="1" noRot="1" noChangeAspect="1"/>
+          </p:cNvSpPr>
+          <p:nvPr>
+            <p:ph type="sldImg"/>
+          </p:nvPr>
+        </p:nvSpPr>
+        <p:spPr/>
+      </p:sp>
+      <p:sp>
+        <p:nvSpPr>
+          <p:cNvPr id="3" name="Notes Placeholder 2"/>
+          <p:cNvSpPr>
+            <a:spLocks noGrp="1"/>
+          </p:cNvSpPr>
+          <p:nvPr>
+            <p:ph type="body" idx="1"/>
+          </p:nvPr>
+        </p:nvSpPr>
+        <p:spPr/>
+        <p:txBody>
+          <a:bodyPr/>
+          <a:lstStyle/>
+          <a:p>
+            <a:r>
+              <a:rPr lang="en-US" dirty="0"/>
+              <a:t/>
+            </a:r>
+            <a:endParaRPr lang="en-US" dirty="0"/>
+          </a:p>
+        </p:txBody>
+      </p:sp>
+      <p:sp>
+        <p:nvSpPr>
+          <p:cNvPr id="4" name="Slide Number Placeholder 3"/>
+          <p:cNvSpPr>
+            <a:spLocks noGrp="1"/>
+          </p:cNvSpPr>
+          <p:nvPr>
+            <p:ph type="sldNum" sz="quarter" idx="10"/>
+          </p:nvPr>
+        </p:nvSpPr>
+        <p:spPr/>
+        <p:txBody>
+          <a:bodyPr/>
+          <a:lstStyle/>
+          <a:p>
+            <a:fld id="{F7021451-1387-4CA6-816F-3879F97B5CBC}" type="slidenum">
+              <a:rPr lang="en-US"/>
+              <a:t>10</a:t>
+            </a:fld>
+            <a:endParaRPr lang="en-US"/>
+          </a:p>
+        </p:txBody>
+      </p:sp>
+    </p:spTree>
+    <p:extLst>
+      <p:ext uri="{BB962C8B-B14F-4D97-AF65-F5344CB8AC3E}">
+        <p14:creationId xmlns:p14="http://schemas.microsoft.com/office/powerpoint/2010/main" val="1024086991"/>
+      </p:ext>
+    </p:extLst>
+  </p:cSld>
+  <p:clrMapOvr>
+    <a:masterClrMapping/>
+  </p:clrMapOvr>
+</p:notes>
+</file>
+
+<file path=ppt/notesSlides/notesSlide11.xml><?xml version="1.0" encoding="utf-8"?>
+<p:notes xmlns:a="http://schemas.openxmlformats.org/drawingml/2006/main" xmlns:r="http://schemas.openxmlformats.org/officeDocument/2006/relationships" xmlns:p="http://schemas.openxmlformats.org/presentationml/2006/main">
+  <p:cSld>
+    <p:spTree>
+      <p:nvGrpSpPr>
+        <p:cNvPr id="1" name=""/>
+        <p:cNvGrpSpPr/>
+        <p:nvPr/>
+      </p:nvGrpSpPr>
+      <p:grpSpPr>
+        <a:xfrm>
+          <a:off x="0" y="0"/>
+          <a:ext cx="0" cy="0"/>
+          <a:chOff x="0" y="0"/>
+          <a:chExt cx="0" cy="0"/>
+        </a:xfrm>
+      </p:grpSpPr>
+      <p:sp>
+        <p:nvSpPr>
+          <p:cNvPr id="2" name="Slide Image Placeholder 1"/>
+          <p:cNvSpPr>
+            <a:spLocks noGrp="1" noRot="1" noChangeAspect="1"/>
+          </p:cNvSpPr>
+          <p:nvPr>
+            <p:ph type="sldImg"/>
+          </p:nvPr>
+        </p:nvSpPr>
+        <p:spPr/>
+      </p:sp>
+      <p:sp>
+        <p:nvSpPr>
+          <p:cNvPr id="3" name="Notes Placeholder 2"/>
+          <p:cNvSpPr>
+            <a:spLocks noGrp="1"/>
+          </p:cNvSpPr>
+          <p:nvPr>
+            <p:ph type="body" idx="1"/>
+          </p:nvPr>
+        </p:nvSpPr>
+        <p:spPr/>
+        <p:txBody>
+          <a:bodyPr/>
+          <a:lstStyle/>
+          <a:p>
+            <a:r>
+              <a:rPr lang="en-US" dirty="0"/>
+              <a:t/>
+            </a:r>
+            <a:endParaRPr lang="en-US" dirty="0"/>
+          </a:p>
+        </p:txBody>
+      </p:sp>
+      <p:sp>
+        <p:nvSpPr>
+          <p:cNvPr id="4" name="Slide Number Placeholder 3"/>
+          <p:cNvSpPr>
+            <a:spLocks noGrp="1"/>
+          </p:cNvSpPr>
+          <p:nvPr>
+            <p:ph type="sldNum" sz="quarter" idx="10"/>
+          </p:nvPr>
+        </p:nvSpPr>
+        <p:spPr/>
+        <p:txBody>
+          <a:bodyPr/>
+          <a:lstStyle/>
+          <a:p>
+            <a:fld id="{F7021451-1387-4CA6-816F-3879F97B5CBC}" type="slidenum">
+              <a:rPr lang="en-US"/>
+              <a:t>11</a:t>
+            </a:fld>
+            <a:endParaRPr lang="en-US"/>
+          </a:p>
+        </p:txBody>
+      </p:sp>
+    </p:spTree>
+    <p:extLst>
+      <p:ext uri="{BB962C8B-B14F-4D97-AF65-F5344CB8AC3E}">
+        <p14:creationId xmlns:p14="http://schemas.microsoft.com/office/powerpoint/2010/main" val="1024086991"/>
+      </p:ext>
+    </p:extLst>
+  </p:cSld>
+  <p:clrMapOvr>
+    <a:masterClrMapping/>
+  </p:clrMapOvr>
+</p:notes>
+</file>
+
 <file path=ppt/notesSlides/notesSlide2.xml><?xml version="1.0" encoding="utf-8"?>
 <p:notes xmlns:a="http://schemas.openxmlformats.org/drawingml/2006/main" xmlns:r="http://schemas.openxmlformats.org/officeDocument/2006/relationships" xmlns:p="http://schemas.openxmlformats.org/presentationml/2006/main">
   <p:cSld>
@@ -971,6 +1152,270 @@
             <a:fld id="{F7021451-1387-4CA6-816F-3879F97B5CBC}" type="slidenum">
               <a:rPr lang="en-US"/>
               <a:t>6</a:t>
+            </a:fld>
+            <a:endParaRPr lang="en-US"/>
+          </a:p>
+        </p:txBody>
+      </p:sp>
+    </p:spTree>
+    <p:extLst>
+      <p:ext uri="{BB962C8B-B14F-4D97-AF65-F5344CB8AC3E}">
+        <p14:creationId xmlns:p14="http://schemas.microsoft.com/office/powerpoint/2010/main" val="1024086991"/>
+      </p:ext>
+    </p:extLst>
+  </p:cSld>
+  <p:clrMapOvr>
+    <a:masterClrMapping/>
+  </p:clrMapOvr>
+</p:notes>
+</file>
+
+<file path=ppt/notesSlides/notesSlide7.xml><?xml version="1.0" encoding="utf-8"?>
+<p:notes xmlns:a="http://schemas.openxmlformats.org/drawingml/2006/main" xmlns:r="http://schemas.openxmlformats.org/officeDocument/2006/relationships" xmlns:p="http://schemas.openxmlformats.org/presentationml/2006/main">
+  <p:cSld>
+    <p:spTree>
+      <p:nvGrpSpPr>
+        <p:cNvPr id="1" name=""/>
+        <p:cNvGrpSpPr/>
+        <p:nvPr/>
+      </p:nvGrpSpPr>
+      <p:grpSpPr>
+        <a:xfrm>
+          <a:off x="0" y="0"/>
+          <a:ext cx="0" cy="0"/>
+          <a:chOff x="0" y="0"/>
+          <a:chExt cx="0" cy="0"/>
+        </a:xfrm>
+      </p:grpSpPr>
+      <p:sp>
+        <p:nvSpPr>
+          <p:cNvPr id="2" name="Slide Image Placeholder 1"/>
+          <p:cNvSpPr>
+            <a:spLocks noGrp="1" noRot="1" noChangeAspect="1"/>
+          </p:cNvSpPr>
+          <p:nvPr>
+            <p:ph type="sldImg"/>
+          </p:nvPr>
+        </p:nvSpPr>
+        <p:spPr/>
+      </p:sp>
+      <p:sp>
+        <p:nvSpPr>
+          <p:cNvPr id="3" name="Notes Placeholder 2"/>
+          <p:cNvSpPr>
+            <a:spLocks noGrp="1"/>
+          </p:cNvSpPr>
+          <p:nvPr>
+            <p:ph type="body" idx="1"/>
+          </p:nvPr>
+        </p:nvSpPr>
+        <p:spPr/>
+        <p:txBody>
+          <a:bodyPr/>
+          <a:lstStyle/>
+          <a:p>
+            <a:r>
+              <a:rPr lang="en-US" dirty="0"/>
+              <a:t/>
+            </a:r>
+            <a:endParaRPr lang="en-US" dirty="0"/>
+          </a:p>
+        </p:txBody>
+      </p:sp>
+      <p:sp>
+        <p:nvSpPr>
+          <p:cNvPr id="4" name="Slide Number Placeholder 3"/>
+          <p:cNvSpPr>
+            <a:spLocks noGrp="1"/>
+          </p:cNvSpPr>
+          <p:nvPr>
+            <p:ph type="sldNum" sz="quarter" idx="10"/>
+          </p:nvPr>
+        </p:nvSpPr>
+        <p:spPr/>
+        <p:txBody>
+          <a:bodyPr/>
+          <a:lstStyle/>
+          <a:p>
+            <a:fld id="{F7021451-1387-4CA6-816F-3879F97B5CBC}" type="slidenum">
+              <a:rPr lang="en-US"/>
+              <a:t>7</a:t>
+            </a:fld>
+            <a:endParaRPr lang="en-US"/>
+          </a:p>
+        </p:txBody>
+      </p:sp>
+    </p:spTree>
+    <p:extLst>
+      <p:ext uri="{BB962C8B-B14F-4D97-AF65-F5344CB8AC3E}">
+        <p14:creationId xmlns:p14="http://schemas.microsoft.com/office/powerpoint/2010/main" val="1024086991"/>
+      </p:ext>
+    </p:extLst>
+  </p:cSld>
+  <p:clrMapOvr>
+    <a:masterClrMapping/>
+  </p:clrMapOvr>
+</p:notes>
+</file>
+
+<file path=ppt/notesSlides/notesSlide8.xml><?xml version="1.0" encoding="utf-8"?>
+<p:notes xmlns:a="http://schemas.openxmlformats.org/drawingml/2006/main" xmlns:r="http://schemas.openxmlformats.org/officeDocument/2006/relationships" xmlns:p="http://schemas.openxmlformats.org/presentationml/2006/main">
+  <p:cSld>
+    <p:spTree>
+      <p:nvGrpSpPr>
+        <p:cNvPr id="1" name=""/>
+        <p:cNvGrpSpPr/>
+        <p:nvPr/>
+      </p:nvGrpSpPr>
+      <p:grpSpPr>
+        <a:xfrm>
+          <a:off x="0" y="0"/>
+          <a:ext cx="0" cy="0"/>
+          <a:chOff x="0" y="0"/>
+          <a:chExt cx="0" cy="0"/>
+        </a:xfrm>
+      </p:grpSpPr>
+      <p:sp>
+        <p:nvSpPr>
+          <p:cNvPr id="2" name="Slide Image Placeholder 1"/>
+          <p:cNvSpPr>
+            <a:spLocks noGrp="1" noRot="1" noChangeAspect="1"/>
+          </p:cNvSpPr>
+          <p:nvPr>
+            <p:ph type="sldImg"/>
+          </p:nvPr>
+        </p:nvSpPr>
+        <p:spPr/>
+      </p:sp>
+      <p:sp>
+        <p:nvSpPr>
+          <p:cNvPr id="3" name="Notes Placeholder 2"/>
+          <p:cNvSpPr>
+            <a:spLocks noGrp="1"/>
+          </p:cNvSpPr>
+          <p:nvPr>
+            <p:ph type="body" idx="1"/>
+          </p:nvPr>
+        </p:nvSpPr>
+        <p:spPr/>
+        <p:txBody>
+          <a:bodyPr/>
+          <a:lstStyle/>
+          <a:p>
+            <a:r>
+              <a:rPr lang="en-US" dirty="0"/>
+              <a:t/>
+            </a:r>
+            <a:endParaRPr lang="en-US" dirty="0"/>
+          </a:p>
+        </p:txBody>
+      </p:sp>
+      <p:sp>
+        <p:nvSpPr>
+          <p:cNvPr id="4" name="Slide Number Placeholder 3"/>
+          <p:cNvSpPr>
+            <a:spLocks noGrp="1"/>
+          </p:cNvSpPr>
+          <p:nvPr>
+            <p:ph type="sldNum" sz="quarter" idx="10"/>
+          </p:nvPr>
+        </p:nvSpPr>
+        <p:spPr/>
+        <p:txBody>
+          <a:bodyPr/>
+          <a:lstStyle/>
+          <a:p>
+            <a:fld id="{F7021451-1387-4CA6-816F-3879F97B5CBC}" type="slidenum">
+              <a:rPr lang="en-US"/>
+              <a:t>8</a:t>
+            </a:fld>
+            <a:endParaRPr lang="en-US"/>
+          </a:p>
+        </p:txBody>
+      </p:sp>
+    </p:spTree>
+    <p:extLst>
+      <p:ext uri="{BB962C8B-B14F-4D97-AF65-F5344CB8AC3E}">
+        <p14:creationId xmlns:p14="http://schemas.microsoft.com/office/powerpoint/2010/main" val="1024086991"/>
+      </p:ext>
+    </p:extLst>
+  </p:cSld>
+  <p:clrMapOvr>
+    <a:masterClrMapping/>
+  </p:clrMapOvr>
+</p:notes>
+</file>
+
+<file path=ppt/notesSlides/notesSlide9.xml><?xml version="1.0" encoding="utf-8"?>
+<p:notes xmlns:a="http://schemas.openxmlformats.org/drawingml/2006/main" xmlns:r="http://schemas.openxmlformats.org/officeDocument/2006/relationships" xmlns:p="http://schemas.openxmlformats.org/presentationml/2006/main">
+  <p:cSld>
+    <p:spTree>
+      <p:nvGrpSpPr>
+        <p:cNvPr id="1" name=""/>
+        <p:cNvGrpSpPr/>
+        <p:nvPr/>
+      </p:nvGrpSpPr>
+      <p:grpSpPr>
+        <a:xfrm>
+          <a:off x="0" y="0"/>
+          <a:ext cx="0" cy="0"/>
+          <a:chOff x="0" y="0"/>
+          <a:chExt cx="0" cy="0"/>
+        </a:xfrm>
+      </p:grpSpPr>
+      <p:sp>
+        <p:nvSpPr>
+          <p:cNvPr id="2" name="Slide Image Placeholder 1"/>
+          <p:cNvSpPr>
+            <a:spLocks noGrp="1" noRot="1" noChangeAspect="1"/>
+          </p:cNvSpPr>
+          <p:nvPr>
+            <p:ph type="sldImg"/>
+          </p:nvPr>
+        </p:nvSpPr>
+        <p:spPr/>
+      </p:sp>
+      <p:sp>
+        <p:nvSpPr>
+          <p:cNvPr id="3" name="Notes Placeholder 2"/>
+          <p:cNvSpPr>
+            <a:spLocks noGrp="1"/>
+          </p:cNvSpPr>
+          <p:nvPr>
+            <p:ph type="body" idx="1"/>
+          </p:nvPr>
+        </p:nvSpPr>
+        <p:spPr/>
+        <p:txBody>
+          <a:bodyPr/>
+          <a:lstStyle/>
+          <a:p>
+            <a:r>
+              <a:rPr lang="en-US" dirty="0"/>
+              <a:t/>
+            </a:r>
+            <a:endParaRPr lang="en-US" dirty="0"/>
+          </a:p>
+        </p:txBody>
+      </p:sp>
+      <p:sp>
+        <p:nvSpPr>
+          <p:cNvPr id="4" name="Slide Number Placeholder 3"/>
+          <p:cNvSpPr>
+            <a:spLocks noGrp="1"/>
+          </p:cNvSpPr>
+          <p:nvPr>
+            <p:ph type="sldNum" sz="quarter" idx="10"/>
+          </p:nvPr>
+        </p:nvSpPr>
+        <p:spPr/>
+        <p:txBody>
+          <a:bodyPr/>
+          <a:lstStyle/>
+          <a:p>
+            <a:fld id="{F7021451-1387-4CA6-816F-3879F97B5CBC}" type="slidenum">
+              <a:rPr lang="en-US"/>
+              <a:t>9</a:t>
             </a:fld>
             <a:endParaRPr lang="en-US"/>
           </a:p>
@@ -1343,7 +1788,7 @@
                   <a:srgbClr val="363636"/>
                 </a:solidFill>
               </a:rPr>
-              <a:t>AI Agent Research Papers</a:t>
+              <a:t>Machine Learning Prediction for Quench Voltage in HTS Coils</a:t>
             </a:r>
             <a:endParaRPr lang="en-US" sz="4400" dirty="0"/>
           </a:p>
@@ -1379,9 +1824,635 @@
                   <a:srgbClr val="666666"/>
                 </a:solidFill>
               </a:rPr>
-              <a:t>Academic papers published in the last month (arXiv &amp; Semantic Scholar)</a:t>
+              <a:t>A Groundbreaking 2026 Approach Combining TimeGAN and LSTM</a:t>
             </a:r>
             <a:endParaRPr lang="en-US" sz="2400" dirty="0"/>
+          </a:p>
+        </p:txBody>
+      </p:sp>
+    </p:spTree>
+  </p:cSld>
+  <p:clrMapOvr>
+    <a:masterClrMapping/>
+  </p:clrMapOvr>
+</p:sld>
+</file>
+
+<file path=ppt/slides/slide10.xml><?xml version="1.0" encoding="utf-8"?>
+<p:sld xmlns:a="http://schemas.openxmlformats.org/drawingml/2006/main" xmlns:r="http://schemas.openxmlformats.org/officeDocument/2006/relationships" xmlns:p="http://schemas.openxmlformats.org/presentationml/2006/main">
+  <p:cSld name="Slide 10">
+    <p:spTree>
+      <p:nvGrpSpPr>
+        <p:cNvPr id="1" name=""/>
+        <p:cNvGrpSpPr/>
+        <p:nvPr/>
+      </p:nvGrpSpPr>
+      <p:grpSpPr>
+        <a:xfrm>
+          <a:off x="0" y="0"/>
+          <a:ext cx="0" cy="0"/>
+          <a:chOff x="0" y="0"/>
+          <a:chExt cx="0" cy="0"/>
+        </a:xfrm>
+      </p:grpSpPr>
+      <p:sp>
+        <p:nvSpPr>
+          <p:cNvPr id="2" name="Text 0"/>
+          <p:cNvSpPr/>
+          <p:nvPr/>
+        </p:nvSpPr>
+        <p:spPr>
+          <a:xfrm>
+            <a:off x="457200" y="457200"/>
+            <a:ext cx="8229600" cy="685800"/>
+          </a:xfrm>
+          <a:prstGeom prst="rect">
+            <a:avLst/>
+          </a:prstGeom>
+          <a:noFill/>
+          <a:ln/>
+        </p:spPr>
+        <p:txBody>
+          <a:bodyPr wrap="square" rtlCol="0" anchor="ctr"/>
+          <a:lstStyle/>
+          <a:p>
+            <a:pPr indent="0" marL="0">
+              <a:buNone/>
+            </a:pPr>
+            <a:r>
+              <a:rPr lang="en-US" sz="3200" b="1" dirty="0">
+                <a:solidFill>
+                  <a:srgbClr val="363636"/>
+                </a:solidFill>
+              </a:rPr>
+              <a:t>Conclusion</a:t>
+            </a:r>
+            <a:endParaRPr lang="en-US" sz="3200" dirty="0"/>
+          </a:p>
+        </p:txBody>
+      </p:sp>
+      <p:sp>
+        <p:nvSpPr>
+          <p:cNvPr id="3" name="Text 1"/>
+          <p:cNvSpPr/>
+          <p:nvPr/>
+        </p:nvSpPr>
+        <p:spPr>
+          <a:xfrm>
+            <a:off x="457200" y="1371600"/>
+            <a:ext cx="8229600" cy="685800"/>
+          </a:xfrm>
+          <a:prstGeom prst="rect">
+            <a:avLst/>
+          </a:prstGeom>
+          <a:noFill/>
+          <a:ln/>
+        </p:spPr>
+        <p:txBody>
+          <a:bodyPr wrap="square" rtlCol="0" anchor="ctr"/>
+          <a:lstStyle/>
+          <a:p>
+            <a:pPr indent="0" marL="0">
+              <a:buNone/>
+            </a:pPr>
+            <a:r>
+              <a:rPr lang="en-US" sz="1800" dirty="0">
+                <a:solidFill>
+                  <a:srgbClr val="444444"/>
+                </a:solidFill>
+              </a:rPr>
+              <a:t>This 2026 study represents a significant advancement in applying machine learning to superconducting systems, demonstrating how generative AI can overcome fundamental data limitations in experimental physics.</a:t>
+            </a:r>
+            <a:endParaRPr lang="en-US" sz="1800" dirty="0"/>
+          </a:p>
+        </p:txBody>
+      </p:sp>
+      <p:sp>
+        <p:nvSpPr>
+          <p:cNvPr id="4" name="Text 2"/>
+          <p:cNvSpPr/>
+          <p:nvPr/>
+        </p:nvSpPr>
+        <p:spPr>
+          <a:xfrm>
+            <a:off x="457200" y="2148840"/>
+            <a:ext cx="7772400" cy="457200"/>
+          </a:xfrm>
+          <a:prstGeom prst="rect">
+            <a:avLst/>
+          </a:prstGeom>
+          <a:noFill/>
+          <a:ln/>
+        </p:spPr>
+        <p:txBody>
+          <a:bodyPr wrap="square" rtlCol="0" anchor="ctr"/>
+          <a:lstStyle/>
+          <a:p>
+            <a:pPr indent="0" marL="0">
+              <a:buNone/>
+            </a:pPr>
+            <a:r>
+              <a:rPr lang="en-US" sz="1600" dirty="0">
+                <a:solidFill>
+                  <a:srgbClr val="555555"/>
+                </a:solidFill>
+              </a:rPr>
+              <a:t>• Successfully combines TimeGAN and LSTM for quench prediction</a:t>
+            </a:r>
+            <a:endParaRPr lang="en-US" sz="1600" dirty="0"/>
+          </a:p>
+        </p:txBody>
+      </p:sp>
+      <p:sp>
+        <p:nvSpPr>
+          <p:cNvPr id="5" name="Text 3"/>
+          <p:cNvSpPr/>
+          <p:nvPr/>
+        </p:nvSpPr>
+        <p:spPr>
+          <a:xfrm>
+            <a:off x="457200" y="2651760"/>
+            <a:ext cx="7772400" cy="457200"/>
+          </a:xfrm>
+          <a:prstGeom prst="rect">
+            <a:avLst/>
+          </a:prstGeom>
+          <a:noFill/>
+          <a:ln/>
+        </p:spPr>
+        <p:txBody>
+          <a:bodyPr wrap="square" rtlCol="0" anchor="ctr"/>
+          <a:lstStyle/>
+          <a:p>
+            <a:pPr indent="0" marL="0">
+              <a:buNone/>
+            </a:pPr>
+            <a:r>
+              <a:rPr lang="en-US" sz="1600" dirty="0">
+                <a:solidFill>
+                  <a:srgbClr val="555555"/>
+                </a:solidFill>
+              </a:rPr>
+              <a:t>• Achieves high accuracy with minimal experimental data</a:t>
+            </a:r>
+            <a:endParaRPr lang="en-US" sz="1600" dirty="0"/>
+          </a:p>
+        </p:txBody>
+      </p:sp>
+      <p:sp>
+        <p:nvSpPr>
+          <p:cNvPr id="6" name="Text 4"/>
+          <p:cNvSpPr/>
+          <p:nvPr/>
+        </p:nvSpPr>
+        <p:spPr>
+          <a:xfrm>
+            <a:off x="457200" y="3154680"/>
+            <a:ext cx="7772400" cy="457200"/>
+          </a:xfrm>
+          <a:prstGeom prst="rect">
+            <a:avLst/>
+          </a:prstGeom>
+          <a:noFill/>
+          <a:ln/>
+        </p:spPr>
+        <p:txBody>
+          <a:bodyPr wrap="square" rtlCol="0" anchor="ctr"/>
+          <a:lstStyle/>
+          <a:p>
+            <a:pPr indent="0" marL="0">
+              <a:buNone/>
+            </a:pPr>
+            <a:r>
+              <a:rPr lang="en-US" sz="1600" dirty="0">
+                <a:solidFill>
+                  <a:srgbClr val="555555"/>
+                </a:solidFill>
+              </a:rPr>
+              <a:t>• Establishes reproducible framework for future research</a:t>
+            </a:r>
+            <a:endParaRPr lang="en-US" sz="1600" dirty="0"/>
+          </a:p>
+        </p:txBody>
+      </p:sp>
+      <p:sp>
+        <p:nvSpPr>
+          <p:cNvPr id="7" name="Text 5"/>
+          <p:cNvSpPr/>
+          <p:nvPr/>
+        </p:nvSpPr>
+        <p:spPr>
+          <a:xfrm>
+            <a:off x="457200" y="3657600"/>
+            <a:ext cx="7772400" cy="457200"/>
+          </a:xfrm>
+          <a:prstGeom prst="rect">
+            <a:avLst/>
+          </a:prstGeom>
+          <a:noFill/>
+          <a:ln/>
+        </p:spPr>
+        <p:txBody>
+          <a:bodyPr wrap="square" rtlCol="0" anchor="ctr"/>
+          <a:lstStyle/>
+          <a:p>
+            <a:pPr indent="0" marL="0">
+              <a:buNone/>
+            </a:pPr>
+            <a:r>
+              <a:rPr lang="en-US" sz="1600" dirty="0">
+                <a:solidFill>
+                  <a:srgbClr val="555555"/>
+                </a:solidFill>
+              </a:rPr>
+              <a:t>• Paves way for safer, more efficient superconducting technologies</a:t>
+            </a:r>
+            <a:endParaRPr lang="en-US" sz="1600" dirty="0"/>
+          </a:p>
+        </p:txBody>
+      </p:sp>
+      <p:sp>
+        <p:nvSpPr>
+          <p:cNvPr id="8" name="Text 6"/>
+          <p:cNvSpPr/>
+          <p:nvPr/>
+        </p:nvSpPr>
+        <p:spPr>
+          <a:xfrm>
+            <a:off x="457200" y="4160520"/>
+            <a:ext cx="7772400" cy="457200"/>
+          </a:xfrm>
+          <a:prstGeom prst="rect">
+            <a:avLst/>
+          </a:prstGeom>
+          <a:noFill/>
+          <a:ln/>
+        </p:spPr>
+        <p:txBody>
+          <a:bodyPr wrap="square" rtlCol="0" anchor="ctr"/>
+          <a:lstStyle/>
+          <a:p>
+            <a:pPr indent="0" marL="0">
+              <a:buNone/>
+            </a:pPr>
+            <a:r>
+              <a:rPr lang="en-US" sz="1600" dirty="0">
+                <a:solidFill>
+                  <a:srgbClr val="555555"/>
+                </a:solidFill>
+              </a:rPr>
+              <a:t>• Exemplifies cross-disciplinary innovation in ML applications</a:t>
+            </a:r>
+            <a:endParaRPr lang="en-US" sz="1600" dirty="0"/>
+          </a:p>
+        </p:txBody>
+      </p:sp>
+    </p:spTree>
+  </p:cSld>
+  <p:clrMapOvr>
+    <a:masterClrMapping/>
+  </p:clrMapOvr>
+</p:sld>
+</file>
+
+<file path=ppt/slides/slide11.xml><?xml version="1.0" encoding="utf-8"?>
+<p:sld xmlns:a="http://schemas.openxmlformats.org/drawingml/2006/main" xmlns:r="http://schemas.openxmlformats.org/officeDocument/2006/relationships" xmlns:p="http://schemas.openxmlformats.org/presentationml/2006/main">
+  <p:cSld name="Slide 11">
+    <p:spTree>
+      <p:nvGrpSpPr>
+        <p:cNvPr id="1" name=""/>
+        <p:cNvGrpSpPr/>
+        <p:nvPr/>
+      </p:nvGrpSpPr>
+      <p:grpSpPr>
+        <a:xfrm>
+          <a:off x="0" y="0"/>
+          <a:ext cx="0" cy="0"/>
+          <a:chOff x="0" y="0"/>
+          <a:chExt cx="0" cy="0"/>
+        </a:xfrm>
+      </p:grpSpPr>
+      <p:sp>
+        <p:nvSpPr>
+          <p:cNvPr id="2" name="Text 0"/>
+          <p:cNvSpPr/>
+          <p:nvPr/>
+        </p:nvSpPr>
+        <p:spPr>
+          <a:xfrm>
+            <a:off x="457200" y="457200"/>
+            <a:ext cx="8229600" cy="685800"/>
+          </a:xfrm>
+          <a:prstGeom prst="rect">
+            <a:avLst/>
+          </a:prstGeom>
+          <a:noFill/>
+          <a:ln/>
+        </p:spPr>
+        <p:txBody>
+          <a:bodyPr wrap="square" rtlCol="0" anchor="ctr"/>
+          <a:lstStyle/>
+          <a:p>
+            <a:pPr indent="0" marL="0">
+              <a:buNone/>
+            </a:pPr>
+            <a:r>
+              <a:rPr lang="en-US" sz="3200" b="1" dirty="0">
+                <a:solidFill>
+                  <a:srgbClr val="363636"/>
+                </a:solidFill>
+              </a:rPr>
+              <a:t>Authors and Publication</a:t>
+            </a:r>
+            <a:endParaRPr lang="en-US" sz="3200" dirty="0"/>
+          </a:p>
+        </p:txBody>
+      </p:sp>
+      <p:sp>
+        <p:nvSpPr>
+          <p:cNvPr id="3" name="Text 1"/>
+          <p:cNvSpPr/>
+          <p:nvPr/>
+        </p:nvSpPr>
+        <p:spPr>
+          <a:xfrm>
+            <a:off x="457200" y="1371600"/>
+            <a:ext cx="8229600" cy="685800"/>
+          </a:xfrm>
+          <a:prstGeom prst="rect">
+            <a:avLst/>
+          </a:prstGeom>
+          <a:noFill/>
+          <a:ln/>
+        </p:spPr>
+        <p:txBody>
+          <a:bodyPr wrap="square" rtlCol="0" anchor="ctr"/>
+          <a:lstStyle/>
+          <a:p>
+            <a:pPr indent="0" marL="0">
+              <a:buNone/>
+            </a:pPr>
+            <a:r>
+              <a:rPr lang="en-US" sz="1800" dirty="0">
+                <a:solidFill>
+                  <a:srgbClr val="444444"/>
+                </a:solidFill>
+              </a:rPr>
+              <a:t>Yahao Wu, Wenjuan Song, M. Yazdani-Asrami</a:t>
+            </a:r>
+            <a:endParaRPr lang="en-US" sz="1800" dirty="0"/>
+          </a:p>
+        </p:txBody>
+      </p:sp>
+      <p:sp>
+        <p:nvSpPr>
+          <p:cNvPr id="4" name="Text 2"/>
+          <p:cNvSpPr/>
+          <p:nvPr/>
+        </p:nvSpPr>
+        <p:spPr>
+          <a:xfrm>
+            <a:off x="457200" y="2148840"/>
+            <a:ext cx="8229600" cy="685800"/>
+          </a:xfrm>
+          <a:prstGeom prst="rect">
+            <a:avLst/>
+          </a:prstGeom>
+          <a:noFill/>
+          <a:ln/>
+        </p:spPr>
+        <p:txBody>
+          <a:bodyPr wrap="square" rtlCol="0" anchor="ctr"/>
+          <a:lstStyle/>
+          <a:p>
+            <a:pPr indent="0" marL="0">
+              <a:buNone/>
+            </a:pPr>
+            <a:r>
+              <a:rPr lang="en-US" sz="1800" dirty="0">
+                <a:solidFill>
+                  <a:srgbClr val="444444"/>
+                </a:solidFill>
+              </a:rPr>
+              <a:t>IEEE Transactions on Applied Superconductivity</a:t>
+            </a:r>
+            <a:endParaRPr lang="en-US" sz="1800" dirty="0"/>
+          </a:p>
+        </p:txBody>
+      </p:sp>
+      <p:sp>
+        <p:nvSpPr>
+          <p:cNvPr id="5" name="Text 3"/>
+          <p:cNvSpPr/>
+          <p:nvPr/>
+        </p:nvSpPr>
+        <p:spPr>
+          <a:xfrm>
+            <a:off x="457200" y="2926080"/>
+            <a:ext cx="8229600" cy="685800"/>
+          </a:xfrm>
+          <a:prstGeom prst="rect">
+            <a:avLst/>
+          </a:prstGeom>
+          <a:noFill/>
+          <a:ln/>
+        </p:spPr>
+        <p:txBody>
+          <a:bodyPr wrap="square" rtlCol="0" anchor="ctr"/>
+          <a:lstStyle/>
+          <a:p>
+            <a:pPr indent="0" marL="0">
+              <a:buNone/>
+            </a:pPr>
+            <a:r>
+              <a:rPr lang="en-US" sz="1800" dirty="0">
+                <a:solidFill>
+                  <a:srgbClr val="444444"/>
+                </a:solidFill>
+              </a:rPr>
+              <a:t>DOI: 10.1109/TASC.2025.3646171</a:t>
+            </a:r>
+            <a:endParaRPr lang="en-US" sz="1800" dirty="0"/>
+          </a:p>
+        </p:txBody>
+      </p:sp>
+      <p:sp>
+        <p:nvSpPr>
+          <p:cNvPr id="6" name="Text 4"/>
+          <p:cNvSpPr/>
+          <p:nvPr/>
+        </p:nvSpPr>
+        <p:spPr>
+          <a:xfrm>
+            <a:off x="457200" y="3703320"/>
+            <a:ext cx="8229600" cy="685800"/>
+          </a:xfrm>
+          <a:prstGeom prst="rect">
+            <a:avLst/>
+          </a:prstGeom>
+          <a:noFill/>
+          <a:ln/>
+        </p:spPr>
+        <p:txBody>
+          <a:bodyPr wrap="square" rtlCol="0" anchor="ctr"/>
+          <a:lstStyle/>
+          <a:p>
+            <a:pPr indent="0" marL="0">
+              <a:buNone/>
+            </a:pPr>
+            <a:r>
+              <a:rPr lang="en-US" sz="1800" dirty="0">
+                <a:solidFill>
+                  <a:srgbClr val="444444"/>
+                </a:solidFill>
+              </a:rPr>
+              <a:t>Publication Date: August 1, 2026</a:t>
+            </a:r>
+            <a:endParaRPr lang="en-US" sz="1800" dirty="0"/>
+          </a:p>
+        </p:txBody>
+      </p:sp>
+      <p:sp>
+        <p:nvSpPr>
+          <p:cNvPr id="7" name="Text 5"/>
+          <p:cNvSpPr/>
+          <p:nvPr/>
+        </p:nvSpPr>
+        <p:spPr>
+          <a:xfrm>
+            <a:off x="457200" y="4480560"/>
+            <a:ext cx="7772400" cy="457200"/>
+          </a:xfrm>
+          <a:prstGeom prst="rect">
+            <a:avLst/>
+          </a:prstGeom>
+          <a:noFill/>
+          <a:ln/>
+        </p:spPr>
+        <p:txBody>
+          <a:bodyPr wrap="square" rtlCol="0" anchor="ctr"/>
+          <a:lstStyle/>
+          <a:p>
+            <a:pPr indent="0" marL="0">
+              <a:buNone/>
+            </a:pPr>
+            <a:r>
+              <a:rPr lang="en-US" sz="1600" dirty="0">
+                <a:solidFill>
+                  <a:srgbClr val="555555"/>
+                </a:solidFill>
+              </a:rPr>
+              <a:t>• Leading research in applied superconductivity</a:t>
+            </a:r>
+            <a:endParaRPr lang="en-US" sz="1600" dirty="0"/>
+          </a:p>
+        </p:txBody>
+      </p:sp>
+      <p:sp>
+        <p:nvSpPr>
+          <p:cNvPr id="8" name="Text 6"/>
+          <p:cNvSpPr/>
+          <p:nvPr/>
+        </p:nvSpPr>
+        <p:spPr>
+          <a:xfrm>
+            <a:off x="457200" y="4983480"/>
+            <a:ext cx="7772400" cy="457200"/>
+          </a:xfrm>
+          <a:prstGeom prst="rect">
+            <a:avLst/>
+          </a:prstGeom>
+          <a:noFill/>
+          <a:ln/>
+        </p:spPr>
+        <p:txBody>
+          <a:bodyPr wrap="square" rtlCol="0" anchor="ctr"/>
+          <a:lstStyle/>
+          <a:p>
+            <a:pPr indent="0" marL="0">
+              <a:buNone/>
+            </a:pPr>
+            <a:r>
+              <a:rPr lang="en-US" sz="1600" dirty="0">
+                <a:solidFill>
+                  <a:srgbClr val="555555"/>
+                </a:solidFill>
+              </a:rPr>
+              <a:t>• Published in premier journal for superconductivity research</a:t>
+            </a:r>
+            <a:endParaRPr lang="en-US" sz="1600" dirty="0"/>
+          </a:p>
+        </p:txBody>
+      </p:sp>
+      <p:sp>
+        <p:nvSpPr>
+          <p:cNvPr id="9" name="Text 7"/>
+          <p:cNvSpPr/>
+          <p:nvPr/>
+        </p:nvSpPr>
+        <p:spPr>
+          <a:xfrm>
+            <a:off x="457200" y="5486400"/>
+            <a:ext cx="7772400" cy="457200"/>
+          </a:xfrm>
+          <a:prstGeom prst="rect">
+            <a:avLst/>
+          </a:prstGeom>
+          <a:noFill/>
+          <a:ln/>
+        </p:spPr>
+        <p:txBody>
+          <a:bodyPr wrap="square" rtlCol="0" anchor="ctr"/>
+          <a:lstStyle/>
+          <a:p>
+            <a:pPr indent="0" marL="0">
+              <a:buNone/>
+            </a:pPr>
+            <a:r>
+              <a:rPr lang="en-US" sz="1600" dirty="0">
+                <a:solidFill>
+                  <a:srgbClr val="555555"/>
+                </a:solidFill>
+              </a:rPr>
+              <a:t>• Combines expertise in ML, physics, and engineering</a:t>
+            </a:r>
+            <a:endParaRPr lang="en-US" sz="1600" dirty="0"/>
+          </a:p>
+        </p:txBody>
+      </p:sp>
+      <p:sp>
+        <p:nvSpPr>
+          <p:cNvPr id="10" name="Text 8"/>
+          <p:cNvSpPr/>
+          <p:nvPr/>
+        </p:nvSpPr>
+        <p:spPr>
+          <a:xfrm>
+            <a:off x="457200" y="5989320"/>
+            <a:ext cx="7772400" cy="457200"/>
+          </a:xfrm>
+          <a:prstGeom prst="rect">
+            <a:avLst/>
+          </a:prstGeom>
+          <a:noFill/>
+          <a:ln/>
+        </p:spPr>
+        <p:txBody>
+          <a:bodyPr wrap="square" rtlCol="0" anchor="ctr"/>
+          <a:lstStyle/>
+          <a:p>
+            <a:pPr indent="0" marL="0">
+              <a:buNone/>
+            </a:pPr>
+            <a:r>
+              <a:rPr lang="en-US" sz="1600" dirty="0">
+                <a:solidFill>
+                  <a:srgbClr val="555555"/>
+                </a:solidFill>
+              </a:rPr>
+              <a:t>• Open access available through IEEE Xplore</a:t>
+            </a:r>
+            <a:endParaRPr lang="en-US" sz="1600" dirty="0"/>
           </a:p>
         </p:txBody>
       </p:sp>
@@ -1440,7 +2511,7 @@
                   <a:srgbClr val="363636"/>
                 </a:solidFill>
               </a:rPr>
-              <a:t>AI Agent Research Papers</a:t>
+              <a:t>Overview</a:t>
             </a:r>
             <a:endParaRPr lang="en-US" sz="3200" dirty="0"/>
           </a:p>
@@ -1476,7 +2547,7 @@
                   <a:srgbClr val="444444"/>
                 </a:solidFill>
               </a:rPr>
-              <a:t>Collection of academic papers on AI Agents published in the last month</a:t>
+              <a:t>This paper presents a novel framework combining Time-series Generative Adversarial Networks (TimeGAN) with Long Short-Term Memory (LSTM) networks to predict experimental quench voltage in High Temperature Superconducting (HTS) coils.</a:t>
             </a:r>
             <a:endParaRPr lang="en-US" sz="1800" dirty="0"/>
           </a:p>
@@ -1512,7 +2583,7 @@
                   <a:srgbClr val="444444"/>
                 </a:solidFill>
               </a:rPr>
-              <a:t>Data sourced from arXiv and Semantic Scholar</a:t>
+              <a:t>Published in IEEE Transactions on Applied Superconductivity, August 2026.</a:t>
             </a:r>
             <a:endParaRPr lang="en-US" sz="1800" dirty="0"/>
           </a:p>
@@ -1527,30 +2598,102 @@
         <p:spPr>
           <a:xfrm>
             <a:off x="457200" y="2926080"/>
-            <a:ext cx="8229600" cy="685800"/>
-          </a:xfrm>
-          <a:prstGeom prst="rect">
-            <a:avLst/>
-          </a:prstGeom>
-          <a:noFill/>
-          <a:ln/>
-        </p:spPr>
-        <p:txBody>
-          <a:bodyPr wrap="square" rtlCol="0" anchor="ctr"/>
-          <a:lstStyle/>
-          <a:p>
-            <a:pPr indent="0" marL="0">
-              <a:buNone/>
-            </a:pPr>
-            <a:r>
-              <a:rPr lang="en-US" sz="1800" dirty="0">
-                <a:solidFill>
-                  <a:srgbClr val="444444"/>
-                </a:solidFill>
-              </a:rPr>
-              <a:t>Search query: "AI Agent" with date filter: last 1 month</a:t>
-            </a:r>
-            <a:endParaRPr lang="en-US" sz="1800" dirty="0"/>
+            <a:ext cx="7772400" cy="457200"/>
+          </a:xfrm>
+          <a:prstGeom prst="rect">
+            <a:avLst/>
+          </a:prstGeom>
+          <a:noFill/>
+          <a:ln/>
+        </p:spPr>
+        <p:txBody>
+          <a:bodyPr wrap="square" rtlCol="0" anchor="ctr"/>
+          <a:lstStyle/>
+          <a:p>
+            <a:pPr indent="0" marL="0">
+              <a:buNone/>
+            </a:pPr>
+            <a:r>
+              <a:rPr lang="en-US" sz="1600" dirty="0">
+                <a:solidFill>
+                  <a:srgbClr val="555555"/>
+                </a:solidFill>
+              </a:rPr>
+              <a:t>• First application of TimeGAN to superconducting quench signals</a:t>
+            </a:r>
+            <a:endParaRPr lang="en-US" sz="1600" dirty="0"/>
+          </a:p>
+        </p:txBody>
+      </p:sp>
+      <p:sp>
+        <p:nvSpPr>
+          <p:cNvPr id="6" name="Text 4"/>
+          <p:cNvSpPr/>
+          <p:nvPr/>
+        </p:nvSpPr>
+        <p:spPr>
+          <a:xfrm>
+            <a:off x="457200" y="3429000"/>
+            <a:ext cx="7772400" cy="457200"/>
+          </a:xfrm>
+          <a:prstGeom prst="rect">
+            <a:avLst/>
+          </a:prstGeom>
+          <a:noFill/>
+          <a:ln/>
+        </p:spPr>
+        <p:txBody>
+          <a:bodyPr wrap="square" rtlCol="0" anchor="ctr"/>
+          <a:lstStyle/>
+          <a:p>
+            <a:pPr indent="0" marL="0">
+              <a:buNone/>
+            </a:pPr>
+            <a:r>
+              <a:rPr lang="en-US" sz="1600" dirty="0">
+                <a:solidFill>
+                  <a:srgbClr val="555555"/>
+                </a:solidFill>
+              </a:rPr>
+              <a:t>• Addresses critical challenge of limited experimental datasets</a:t>
+            </a:r>
+            <a:endParaRPr lang="en-US" sz="1600" dirty="0"/>
+          </a:p>
+        </p:txBody>
+      </p:sp>
+      <p:sp>
+        <p:nvSpPr>
+          <p:cNvPr id="7" name="Text 5"/>
+          <p:cNvSpPr/>
+          <p:nvPr/>
+        </p:nvSpPr>
+        <p:spPr>
+          <a:xfrm>
+            <a:off x="457200" y="3931920"/>
+            <a:ext cx="7772400" cy="457200"/>
+          </a:xfrm>
+          <a:prstGeom prst="rect">
+            <a:avLst/>
+          </a:prstGeom>
+          <a:noFill/>
+          <a:ln/>
+        </p:spPr>
+        <p:txBody>
+          <a:bodyPr wrap="square" rtlCol="0" anchor="ctr"/>
+          <a:lstStyle/>
+          <a:p>
+            <a:pPr indent="0" marL="0">
+              <a:buNone/>
+            </a:pPr>
+            <a:r>
+              <a:rPr lang="en-US" sz="1600" dirty="0">
+                <a:solidFill>
+                  <a:srgbClr val="555555"/>
+                </a:solidFill>
+              </a:rPr>
+              <a:t>• Achieves ~3% mean relative error in quench prediction</a:t>
+            </a:r>
+            <a:endParaRPr lang="en-US" sz="1600" dirty="0"/>
           </a:p>
         </p:txBody>
       </p:sp>
@@ -1609,7 +2752,7 @@
                   <a:srgbClr val="363636"/>
                 </a:solidFill>
               </a:rPr>
-              <a:t>Papers Overview Table</a:t>
+              <a:t>Problem Statement</a:t>
             </a:r>
             <a:endParaRPr lang="en-US" sz="3200" dirty="0"/>
           </a:p>
@@ -1645,7 +2788,7 @@
                   <a:srgbClr val="444444"/>
                 </a:solidFill>
               </a:rPr>
-              <a:t>| # | Paper Title | Authors | Date | Venue |</a:t>
+              <a:t>Fast and reliable quench detection is critical for protecting HTS coils, magnets, and devices from catastrophic failure. However, developing ML techniques for quench prediction faces a major obstacle: experimental datasets remain severely limited.</a:t>
             </a:r>
             <a:endParaRPr lang="en-US" sz="1800" dirty="0"/>
           </a:p>
@@ -1660,30 +2803,30 @@
         <p:spPr>
           <a:xfrm>
             <a:off x="457200" y="2148840"/>
-            <a:ext cx="8229600" cy="685800"/>
-          </a:xfrm>
-          <a:prstGeom prst="rect">
-            <a:avLst/>
-          </a:prstGeom>
-          <a:noFill/>
-          <a:ln/>
-        </p:spPr>
-        <p:txBody>
-          <a:bodyPr wrap="square" rtlCol="0" anchor="ctr"/>
-          <a:lstStyle/>
-          <a:p>
-            <a:pPr indent="0" marL="0">
-              <a:buNone/>
-            </a:pPr>
-            <a:r>
-              <a:rPr lang="en-US" sz="1800" dirty="0">
-                <a:solidFill>
-                  <a:srgbClr val="444444"/>
-                </a:solidFill>
-              </a:rPr>
-              <a:t>|---|---|---|---|---|</a:t>
-            </a:r>
-            <a:endParaRPr lang="en-US" sz="1800" dirty="0"/>
+            <a:ext cx="7772400" cy="457200"/>
+          </a:xfrm>
+          <a:prstGeom prst="rect">
+            <a:avLst/>
+          </a:prstGeom>
+          <a:noFill/>
+          <a:ln/>
+        </p:spPr>
+        <p:txBody>
+          <a:bodyPr wrap="square" rtlCol="0" anchor="ctr"/>
+          <a:lstStyle/>
+          <a:p>
+            <a:pPr indent="0" marL="0">
+              <a:buNone/>
+            </a:pPr>
+            <a:r>
+              <a:rPr lang="en-US" sz="1600" dirty="0">
+                <a:solidFill>
+                  <a:srgbClr val="555555"/>
+                </a:solidFill>
+              </a:rPr>
+              <a:t>• Cryogenic constraints make data collection difficult and expensive</a:t>
+            </a:r>
+            <a:endParaRPr lang="en-US" sz="1600" dirty="0"/>
           </a:p>
         </p:txBody>
       </p:sp>
@@ -1695,31 +2838,31 @@
         </p:nvSpPr>
         <p:spPr>
           <a:xfrm>
-            <a:off x="457200" y="2926080"/>
-            <a:ext cx="8229600" cy="685800"/>
-          </a:xfrm>
-          <a:prstGeom prst="rect">
-            <a:avLst/>
-          </a:prstGeom>
-          <a:noFill/>
-          <a:ln/>
-        </p:spPr>
-        <p:txBody>
-          <a:bodyPr wrap="square" rtlCol="0" anchor="ctr"/>
-          <a:lstStyle/>
-          <a:p>
-            <a:pPr indent="0" marL="0">
-              <a:buNone/>
-            </a:pPr>
-            <a:r>
-              <a:rPr lang="en-US" sz="1800" dirty="0">
-                <a:solidFill>
-                  <a:srgbClr val="444444"/>
-                </a:solidFill>
-              </a:rPr>
-              <a:t>| 1 | Sola-Visibility-ISPM: Benchmarking Agentic AI for Identity Security Posture Management Visibility | Engelberg et al. | Jan 11, 2026 | arXiv |</a:t>
-            </a:r>
-            <a:endParaRPr lang="en-US" sz="1800" dirty="0"/>
+            <a:off x="457200" y="2651760"/>
+            <a:ext cx="7772400" cy="457200"/>
+          </a:xfrm>
+          <a:prstGeom prst="rect">
+            <a:avLst/>
+          </a:prstGeom>
+          <a:noFill/>
+          <a:ln/>
+        </p:spPr>
+        <p:txBody>
+          <a:bodyPr wrap="square" rtlCol="0" anchor="ctr"/>
+          <a:lstStyle/>
+          <a:p>
+            <a:pPr indent="0" marL="0">
+              <a:buNone/>
+            </a:pPr>
+            <a:r>
+              <a:rPr lang="en-US" sz="1600" dirty="0">
+                <a:solidFill>
+                  <a:srgbClr val="555555"/>
+                </a:solidFill>
+              </a:rPr>
+              <a:t>• Risk of conductor damage during experiments</a:t>
+            </a:r>
+            <a:endParaRPr lang="en-US" sz="1600" dirty="0"/>
           </a:p>
         </p:txBody>
       </p:sp>
@@ -1731,31 +2874,31 @@
         </p:nvSpPr>
         <p:spPr>
           <a:xfrm>
-            <a:off x="457200" y="3703320"/>
-            <a:ext cx="8229600" cy="685800"/>
-          </a:xfrm>
-          <a:prstGeom prst="rect">
-            <a:avLst/>
-          </a:prstGeom>
-          <a:noFill/>
-          <a:ln/>
-        </p:spPr>
-        <p:txBody>
-          <a:bodyPr wrap="square" rtlCol="0" anchor="ctr"/>
-          <a:lstStyle/>
-          <a:p>
-            <a:pPr indent="0" marL="0">
-              <a:buNone/>
-            </a:pPr>
-            <a:r>
-              <a:rPr lang="en-US" sz="1800" dirty="0">
-                <a:solidFill>
-                  <a:srgbClr val="444444"/>
-                </a:solidFill>
-              </a:rPr>
-              <a:t>| 2 | POLARIS: Typed Planning and Governed Execution for Agentic AI in Back-Office Automation | Moslemi et al. | Jan 16, 2026 | arXiv |</a:t>
-            </a:r>
-            <a:endParaRPr lang="en-US" sz="1800" dirty="0"/>
+            <a:off x="457200" y="3154680"/>
+            <a:ext cx="7772400" cy="457200"/>
+          </a:xfrm>
+          <a:prstGeom prst="rect">
+            <a:avLst/>
+          </a:prstGeom>
+          <a:noFill/>
+          <a:ln/>
+        </p:spPr>
+        <p:txBody>
+          <a:bodyPr wrap="square" rtlCol="0" anchor="ctr"/>
+          <a:lstStyle/>
+          <a:p>
+            <a:pPr indent="0" marL="0">
+              <a:buNone/>
+            </a:pPr>
+            <a:r>
+              <a:rPr lang="en-US" sz="1600" dirty="0">
+                <a:solidFill>
+                  <a:srgbClr val="555555"/>
+                </a:solidFill>
+              </a:rPr>
+              <a:t>• Limited data leads to overfitting in ML models</a:t>
+            </a:r>
+            <a:endParaRPr lang="en-US" sz="1600" dirty="0"/>
           </a:p>
         </p:txBody>
       </p:sp>
@@ -1767,283 +2910,31 @@
         </p:nvSpPr>
         <p:spPr>
           <a:xfrm>
-            <a:off x="457200" y="4480560"/>
-            <a:ext cx="8229600" cy="685800"/>
-          </a:xfrm>
-          <a:prstGeom prst="rect">
-            <a:avLst/>
-          </a:prstGeom>
-          <a:noFill/>
-          <a:ln/>
-        </p:spPr>
-        <p:txBody>
-          <a:bodyPr wrap="square" rtlCol="0" anchor="ctr"/>
-          <a:lstStyle/>
-          <a:p>
-            <a:pPr indent="0" marL="0">
-              <a:buNone/>
-            </a:pPr>
-            <a:r>
-              <a:rPr lang="en-US" sz="1800" dirty="0">
-                <a:solidFill>
-                  <a:srgbClr val="444444"/>
-                </a:solidFill>
-              </a:rPr>
-              <a:t>| 3 | Engineering AI Agents for Clinical Workflows: A Case Study in Architecture, MLOps, and Governance | Lopes et al. | Jan 31, 2026 | arXiv |</a:t>
-            </a:r>
-            <a:endParaRPr lang="en-US" sz="1800" dirty="0"/>
-          </a:p>
-        </p:txBody>
-      </p:sp>
-      <p:sp>
-        <p:nvSpPr>
-          <p:cNvPr id="8" name="Text 6"/>
-          <p:cNvSpPr/>
-          <p:nvPr/>
-        </p:nvSpPr>
-        <p:spPr>
-          <a:xfrm>
-            <a:off x="457200" y="5257800"/>
-            <a:ext cx="8229600" cy="685800"/>
-          </a:xfrm>
-          <a:prstGeom prst="rect">
-            <a:avLst/>
-          </a:prstGeom>
-          <a:noFill/>
-          <a:ln/>
-        </p:spPr>
-        <p:txBody>
-          <a:bodyPr wrap="square" rtlCol="0" anchor="ctr"/>
-          <a:lstStyle/>
-          <a:p>
-            <a:pPr indent="0" marL="0">
-              <a:buNone/>
-            </a:pPr>
-            <a:r>
-              <a:rPr lang="en-US" sz="1800" dirty="0">
-                <a:solidFill>
-                  <a:srgbClr val="444444"/>
-                </a:solidFill>
-              </a:rPr>
-              <a:t>| 4 | World Craft: Agentic Framework to Create Visualizable Worlds via Text | Sun et al. | Jan 14, 2026 | arXiv |</a:t>
-            </a:r>
-            <a:endParaRPr lang="en-US" sz="1800" dirty="0"/>
-          </a:p>
-        </p:txBody>
-      </p:sp>
-      <p:sp>
-        <p:nvSpPr>
-          <p:cNvPr id="9" name="Text 7"/>
-          <p:cNvSpPr/>
-          <p:nvPr/>
-        </p:nvSpPr>
-        <p:spPr>
-          <a:xfrm>
-            <a:off x="457200" y="6035040"/>
-            <a:ext cx="8229600" cy="685800"/>
-          </a:xfrm>
-          <a:prstGeom prst="rect">
-            <a:avLst/>
-          </a:prstGeom>
-          <a:noFill/>
-          <a:ln/>
-        </p:spPr>
-        <p:txBody>
-          <a:bodyPr wrap="square" rtlCol="0" anchor="ctr"/>
-          <a:lstStyle/>
-          <a:p>
-            <a:pPr indent="0" marL="0">
-              <a:buNone/>
-            </a:pPr>
-            <a:r>
-              <a:rPr lang="en-US" sz="1800" dirty="0">
-                <a:solidFill>
-                  <a:srgbClr val="444444"/>
-                </a:solidFill>
-              </a:rPr>
-              <a:t>| 5 | DynaWeb: Model-Based Reinforcement Learning of Web Agents | Ding et al. | Jan 29, 2026 | arXiv |</a:t>
-            </a:r>
-            <a:endParaRPr lang="en-US" sz="1800" dirty="0"/>
-          </a:p>
-        </p:txBody>
-      </p:sp>
-      <p:sp>
-        <p:nvSpPr>
-          <p:cNvPr id="10" name="Text 8"/>
-          <p:cNvSpPr/>
-          <p:nvPr/>
-        </p:nvSpPr>
-        <p:spPr>
-          <a:xfrm>
-            <a:off x="457200" y="6812280"/>
-            <a:ext cx="8229600" cy="685800"/>
-          </a:xfrm>
-          <a:prstGeom prst="rect">
-            <a:avLst/>
-          </a:prstGeom>
-          <a:noFill/>
-          <a:ln/>
-        </p:spPr>
-        <p:txBody>
-          <a:bodyPr wrap="square" rtlCol="0" anchor="ctr"/>
-          <a:lstStyle/>
-          <a:p>
-            <a:pPr indent="0" marL="0">
-              <a:buNone/>
-            </a:pPr>
-            <a:r>
-              <a:rPr lang="en-US" sz="1800" dirty="0">
-                <a:solidFill>
-                  <a:srgbClr val="444444"/>
-                </a:solidFill>
-              </a:rPr>
-              <a:t>| 6 | A Large-Scale Study on the Development and Issues of Multi-Agent AI Systems | Liu et al. | Jan 12, 2026 | arXiv |</a:t>
-            </a:r>
-            <a:endParaRPr lang="en-US" sz="1800" dirty="0"/>
-          </a:p>
-        </p:txBody>
-      </p:sp>
-      <p:sp>
-        <p:nvSpPr>
-          <p:cNvPr id="11" name="Text 9"/>
-          <p:cNvSpPr/>
-          <p:nvPr/>
-        </p:nvSpPr>
-        <p:spPr>
-          <a:xfrm>
-            <a:off x="457200" y="7589520"/>
-            <a:ext cx="8229600" cy="685800"/>
-          </a:xfrm>
-          <a:prstGeom prst="rect">
-            <a:avLst/>
-          </a:prstGeom>
-          <a:noFill/>
-          <a:ln/>
-        </p:spPr>
-        <p:txBody>
-          <a:bodyPr wrap="square" rtlCol="0" anchor="ctr"/>
-          <a:lstStyle/>
-          <a:p>
-            <a:pPr indent="0" marL="0">
-              <a:buNone/>
-            </a:pPr>
-            <a:r>
-              <a:rPr lang="en-US" sz="1800" dirty="0">
-                <a:solidFill>
-                  <a:srgbClr val="444444"/>
-                </a:solidFill>
-              </a:rPr>
-              <a:t>| 7 | Toward Agentic Software Project Management: A Vision and Roadmap | Assalaarachchi et al. | Jan 23, 2026 | arXiv |</a:t>
-            </a:r>
-            <a:endParaRPr lang="en-US" sz="1800" dirty="0"/>
-          </a:p>
-        </p:txBody>
-      </p:sp>
-      <p:sp>
-        <p:nvSpPr>
-          <p:cNvPr id="12" name="Text 10"/>
-          <p:cNvSpPr/>
-          <p:nvPr/>
-        </p:nvSpPr>
-        <p:spPr>
-          <a:xfrm>
-            <a:off x="457200" y="8366760"/>
-            <a:ext cx="8229600" cy="685800"/>
-          </a:xfrm>
-          <a:prstGeom prst="rect">
-            <a:avLst/>
-          </a:prstGeom>
-          <a:noFill/>
-          <a:ln/>
-        </p:spPr>
-        <p:txBody>
-          <a:bodyPr wrap="square" rtlCol="0" anchor="ctr"/>
-          <a:lstStyle/>
-          <a:p>
-            <a:pPr indent="0" marL="0">
-              <a:buNone/>
-            </a:pPr>
-            <a:r>
-              <a:rPr lang="en-US" sz="1800" dirty="0">
-                <a:solidFill>
-                  <a:srgbClr val="444444"/>
-                </a:solidFill>
-              </a:rPr>
-              <a:t>| 8 | Conformity and Social Impact on AI Agents | Bellina et al. | Jan 8, 2026 | arXiv |</a:t>
-            </a:r>
-            <a:endParaRPr lang="en-US" sz="1800" dirty="0"/>
-          </a:p>
-        </p:txBody>
-      </p:sp>
-      <p:sp>
-        <p:nvSpPr>
-          <p:cNvPr id="13" name="Text 11"/>
-          <p:cNvSpPr/>
-          <p:nvPr/>
-        </p:nvSpPr>
-        <p:spPr>
-          <a:xfrm>
-            <a:off x="457200" y="9144000"/>
-            <a:ext cx="8229600" cy="685800"/>
-          </a:xfrm>
-          <a:prstGeom prst="rect">
-            <a:avLst/>
-          </a:prstGeom>
-          <a:noFill/>
-          <a:ln/>
-        </p:spPr>
-        <p:txBody>
-          <a:bodyPr wrap="square" rtlCol="0" anchor="ctr"/>
-          <a:lstStyle/>
-          <a:p>
-            <a:pPr indent="0" marL="0">
-              <a:buNone/>
-            </a:pPr>
-            <a:r>
-              <a:rPr lang="en-US" sz="1800" dirty="0">
-                <a:solidFill>
-                  <a:srgbClr val="444444"/>
-                </a:solidFill>
-              </a:rPr>
-              <a:t>| 9 | Code for Machines, Not Just Humans: Quantifying AI-Friendliness with Code Health Metrics | Borg et al. | Jan 5, 2026 | arXiv |</a:t>
-            </a:r>
-            <a:endParaRPr lang="en-US" sz="1800" dirty="0"/>
-          </a:p>
-        </p:txBody>
-      </p:sp>
-      <p:sp>
-        <p:nvSpPr>
-          <p:cNvPr id="14" name="Text 12"/>
-          <p:cNvSpPr/>
-          <p:nvPr/>
-        </p:nvSpPr>
-        <p:spPr>
-          <a:xfrm>
-            <a:off x="457200" y="9921240"/>
-            <a:ext cx="8229600" cy="685800"/>
-          </a:xfrm>
-          <a:prstGeom prst="rect">
-            <a:avLst/>
-          </a:prstGeom>
-          <a:noFill/>
-          <a:ln/>
-        </p:spPr>
-        <p:txBody>
-          <a:bodyPr wrap="square" rtlCol="0" anchor="ctr"/>
-          <a:lstStyle/>
-          <a:p>
-            <a:pPr indent="0" marL="0">
-              <a:buNone/>
-            </a:pPr>
-            <a:r>
-              <a:rPr lang="en-US" sz="1800" dirty="0">
-                <a:solidFill>
-                  <a:srgbClr val="444444"/>
-                </a:solidFill>
-              </a:rPr>
-              <a:t>| 10 | astra-langchain4j: Experiences Combining LLMs and Agent Programming | Collier et al. | Jan 29, 2026 | arXiv |</a:t>
-            </a:r>
-            <a:endParaRPr lang="en-US" sz="1800" dirty="0"/>
+            <a:off x="457200" y="3657600"/>
+            <a:ext cx="7772400" cy="457200"/>
+          </a:xfrm>
+          <a:prstGeom prst="rect">
+            <a:avLst/>
+          </a:prstGeom>
+          <a:noFill/>
+          <a:ln/>
+        </p:spPr>
+        <p:txBody>
+          <a:bodyPr wrap="square" rtlCol="0" anchor="ctr"/>
+          <a:lstStyle/>
+          <a:p>
+            <a:pPr indent="0" marL="0">
+              <a:buNone/>
+            </a:pPr>
+            <a:r>
+              <a:rPr lang="en-US" sz="1600" dirty="0">
+                <a:solidFill>
+                  <a:srgbClr val="555555"/>
+                </a:solidFill>
+              </a:rPr>
+              <a:t>• Traditional regression-based forecasting struggles with small datasets</a:t>
+            </a:r>
+            <a:endParaRPr lang="en-US" sz="1600" dirty="0"/>
           </a:p>
         </p:txBody>
       </p:sp>
@@ -2102,7 +2993,7 @@
                   <a:srgbClr val="363636"/>
                 </a:solidFill>
               </a:rPr>
-              <a:t>Key Research Themes</a:t>
+              <a:t>Proposed Framework</a:t>
             </a:r>
             <a:endParaRPr lang="en-US" sz="3200" dirty="0"/>
           </a:p>
@@ -2138,7 +3029,7 @@
                   <a:srgbClr val="444444"/>
                 </a:solidFill>
               </a:rPr>
-              <a:t>Security &amp; Governance</a:t>
+              <a:t>The authors propose an innovative two-stage framework that combines generative AI with predictive modeling to overcome data limitations.</a:t>
             </a:r>
             <a:endParaRPr lang="en-US" sz="1800" dirty="0"/>
           </a:p>
@@ -2153,30 +3044,30 @@
         <p:spPr>
           <a:xfrm>
             <a:off x="457200" y="2148840"/>
-            <a:ext cx="8229600" cy="685800"/>
-          </a:xfrm>
-          <a:prstGeom prst="rect">
-            <a:avLst/>
-          </a:prstGeom>
-          <a:noFill/>
-          <a:ln/>
-        </p:spPr>
-        <p:txBody>
-          <a:bodyPr wrap="square" rtlCol="0" anchor="ctr"/>
-          <a:lstStyle/>
-          <a:p>
-            <a:pPr indent="0" marL="0">
-              <a:buNone/>
-            </a:pPr>
-            <a:r>
-              <a:rPr lang="en-US" sz="1800" dirty="0">
-                <a:solidFill>
-                  <a:srgbClr val="444444"/>
-                </a:solidFill>
-              </a:rPr>
-              <a:t>- Identity Security Posture Management (ISPM) with agentic AI</a:t>
-            </a:r>
-            <a:endParaRPr lang="en-US" sz="1800" dirty="0"/>
+            <a:ext cx="7772400" cy="457200"/>
+          </a:xfrm>
+          <a:prstGeom prst="rect">
+            <a:avLst/>
+          </a:prstGeom>
+          <a:noFill/>
+          <a:ln/>
+        </p:spPr>
+        <p:txBody>
+          <a:bodyPr wrap="square" rtlCol="0" anchor="ctr"/>
+          <a:lstStyle/>
+          <a:p>
+            <a:pPr indent="0" marL="0">
+              <a:buNone/>
+            </a:pPr>
+            <a:r>
+              <a:rPr lang="en-US" sz="1600" dirty="0">
+                <a:solidFill>
+                  <a:srgbClr val="555555"/>
+                </a:solidFill>
+              </a:rPr>
+              <a:t>• Stage 1: TimeGAN generates artificial voltage sequences</a:t>
+            </a:r>
+            <a:endParaRPr lang="en-US" sz="1600" dirty="0"/>
           </a:p>
         </p:txBody>
       </p:sp>
@@ -2188,31 +3079,31 @@
         </p:nvSpPr>
         <p:spPr>
           <a:xfrm>
-            <a:off x="457200" y="2926080"/>
-            <a:ext cx="8229600" cy="685800"/>
-          </a:xfrm>
-          <a:prstGeom prst="rect">
-            <a:avLst/>
-          </a:prstGeom>
-          <a:noFill/>
-          <a:ln/>
-        </p:spPr>
-        <p:txBody>
-          <a:bodyPr wrap="square" rtlCol="0" anchor="ctr"/>
-          <a:lstStyle/>
-          <a:p>
-            <a:pPr indent="0" marL="0">
-              <a:buNone/>
-            </a:pPr>
-            <a:r>
-              <a:rPr lang="en-US" sz="1800" dirty="0">
-                <a:solidFill>
-                  <a:srgbClr val="444444"/>
-                </a:solidFill>
-              </a:rPr>
-              <a:t>- Governed execution frameworks for enterprise automation</a:t>
-            </a:r>
-            <a:endParaRPr lang="en-US" sz="1800" dirty="0"/>
+            <a:off x="457200" y="2651760"/>
+            <a:ext cx="7772400" cy="457200"/>
+          </a:xfrm>
+          <a:prstGeom prst="rect">
+            <a:avLst/>
+          </a:prstGeom>
+          <a:noFill/>
+          <a:ln/>
+        </p:spPr>
+        <p:txBody>
+          <a:bodyPr wrap="square" rtlCol="0" anchor="ctr"/>
+          <a:lstStyle/>
+          <a:p>
+            <a:pPr indent="0" marL="0">
+              <a:buNone/>
+            </a:pPr>
+            <a:r>
+              <a:rPr lang="en-US" sz="1600" dirty="0">
+                <a:solidFill>
+                  <a:srgbClr val="555555"/>
+                </a:solidFill>
+              </a:rPr>
+              <a:t>• Stage 2: LSTM networks predict quench events</a:t>
+            </a:r>
+            <a:endParaRPr lang="en-US" sz="1600" dirty="0"/>
           </a:p>
         </p:txBody>
       </p:sp>
@@ -2224,31 +3115,31 @@
         </p:nvSpPr>
         <p:spPr>
           <a:xfrm>
-            <a:off x="457200" y="3703320"/>
-            <a:ext cx="8229600" cy="685800"/>
-          </a:xfrm>
-          <a:prstGeom prst="rect">
-            <a:avLst/>
-          </a:prstGeom>
-          <a:noFill/>
-          <a:ln/>
-        </p:spPr>
-        <p:txBody>
-          <a:bodyPr wrap="square" rtlCol="0" anchor="ctr"/>
-          <a:lstStyle/>
-          <a:p>
-            <a:pPr indent="0" marL="0">
-              <a:buNone/>
-            </a:pPr>
-            <a:r>
-              <a:rPr lang="en-US" sz="1800" dirty="0">
-                <a:solidFill>
-                  <a:srgbClr val="444444"/>
-                </a:solidFill>
-              </a:rPr>
-              <a:t>- Human-in-the-loop governance for clinical AI</a:t>
-            </a:r>
-            <a:endParaRPr lang="en-US" sz="1800" dirty="0"/>
+            <a:off x="457200" y="3154680"/>
+            <a:ext cx="7772400" cy="457200"/>
+          </a:xfrm>
+          <a:prstGeom prst="rect">
+            <a:avLst/>
+          </a:prstGeom>
+          <a:noFill/>
+          <a:ln/>
+        </p:spPr>
+        <p:txBody>
+          <a:bodyPr wrap="square" rtlCol="0" anchor="ctr"/>
+          <a:lstStyle/>
+          <a:p>
+            <a:pPr indent="0" marL="0">
+              <a:buNone/>
+            </a:pPr>
+            <a:r>
+              <a:rPr lang="en-US" sz="1600" dirty="0">
+                <a:solidFill>
+                  <a:srgbClr val="555555"/>
+                </a:solidFill>
+              </a:rPr>
+              <a:t>• Original dataset: 36 measured voltage sequences</a:t>
+            </a:r>
+            <a:endParaRPr lang="en-US" sz="1600" dirty="0"/>
           </a:p>
         </p:txBody>
       </p:sp>
@@ -2260,7 +3151,7 @@
         </p:nvSpPr>
         <p:spPr>
           <a:xfrm>
-            <a:off x="457200" y="4480560"/>
+            <a:off x="457200" y="3657600"/>
             <a:ext cx="7772400" cy="457200"/>
           </a:xfrm>
           <a:prstGeom prst="rect">
@@ -2282,7 +3173,7 @@
                   <a:srgbClr val="555555"/>
                 </a:solidFill>
               </a:rPr>
-              <a:t>• Multi-Agent Systems</a:t>
+              <a:t>• TimeGAN generated 90 artificial sequences (2.5x expansion)</a:t>
             </a:r>
             <a:endParaRPr lang="en-US" sz="1600" dirty="0"/>
           </a:p>
@@ -2296,7 +3187,7 @@
         </p:nvSpPr>
         <p:spPr>
           <a:xfrm>
-            <a:off x="457200" y="4983480"/>
+            <a:off x="457200" y="4160520"/>
             <a:ext cx="7772400" cy="457200"/>
           </a:xfrm>
           <a:prstGeom prst="rect">
@@ -2318,79 +3209,7 @@
                   <a:srgbClr val="555555"/>
                 </a:solidFill>
               </a:rPr>
-              <a:t>• - Large-scale empirical study of MAS development</a:t>
-            </a:r>
-            <a:endParaRPr lang="en-US" sz="1600" dirty="0"/>
-          </a:p>
-        </p:txBody>
-      </p:sp>
-      <p:sp>
-        <p:nvSpPr>
-          <p:cNvPr id="9" name="Text 7"/>
-          <p:cNvSpPr/>
-          <p:nvPr/>
-        </p:nvSpPr>
-        <p:spPr>
-          <a:xfrm>
-            <a:off x="457200" y="5486400"/>
-            <a:ext cx="7772400" cy="457200"/>
-          </a:xfrm>
-          <a:prstGeom prst="rect">
-            <a:avLst/>
-          </a:prstGeom>
-          <a:noFill/>
-          <a:ln/>
-        </p:spPr>
-        <p:txBody>
-          <a:bodyPr wrap="square" rtlCol="0" anchor="ctr"/>
-          <a:lstStyle/>
-          <a:p>
-            <a:pPr indent="0" marL="0">
-              <a:buNone/>
-            </a:pPr>
-            <a:r>
-              <a:rPr lang="en-US" sz="1600" dirty="0">
-                <a:solidFill>
-                  <a:srgbClr val="555555"/>
-                </a:solidFill>
-              </a:rPr>
-              <a:t>• - Agent coordination challenges in frameworks</a:t>
-            </a:r>
-            <a:endParaRPr lang="en-US" sz="1600" dirty="0"/>
-          </a:p>
-        </p:txBody>
-      </p:sp>
-      <p:sp>
-        <p:nvSpPr>
-          <p:cNvPr id="10" name="Text 8"/>
-          <p:cNvSpPr/>
-          <p:nvPr/>
-        </p:nvSpPr>
-        <p:spPr>
-          <a:xfrm>
-            <a:off x="457200" y="5989320"/>
-            <a:ext cx="7772400" cy="457200"/>
-          </a:xfrm>
-          <a:prstGeom prst="rect">
-            <a:avLst/>
-          </a:prstGeom>
-          <a:noFill/>
-          <a:ln/>
-        </p:spPr>
-        <p:txBody>
-          <a:bodyPr wrap="square" rtlCol="0" anchor="ctr"/>
-          <a:lstStyle/>
-          <a:p>
-            <a:pPr indent="0" marL="0">
-              <a:buNone/>
-            </a:pPr>
-            <a:r>
-              <a:rPr lang="en-US" sz="1600" dirty="0">
-                <a:solidFill>
-                  <a:srgbClr val="555555"/>
-                </a:solidFill>
-              </a:rPr>
-              <a:t>• - Social conformity and collective behavior in multi-agent environments</a:t>
+              <a:t>• Combined dataset enables robust model training</a:t>
             </a:r>
             <a:endParaRPr lang="en-US" sz="1600" dirty="0"/>
           </a:p>
@@ -2451,7 +3270,7 @@
                   <a:srgbClr val="363636"/>
                 </a:solidFill>
               </a:rPr>
-              <a:t>Key Research Themes (Continued)</a:t>
+              <a:t>Methodology Details</a:t>
             </a:r>
             <a:endParaRPr lang="en-US" sz="3200" dirty="0"/>
           </a:p>
@@ -2487,7 +3306,7 @@
                   <a:srgbClr val="444444"/>
                 </a:solidFill>
               </a:rPr>
-              <a:t>Application Domains</a:t>
+              <a:t>Time-series GAN (TimeGAN) is specifically designed to generate realistic temporal sequences, making it ideal for augmenting time-series voltage data from superconducting experiments.</a:t>
             </a:r>
             <a:endParaRPr lang="en-US" sz="1800" dirty="0"/>
           </a:p>
@@ -2502,30 +3321,30 @@
         <p:spPr>
           <a:xfrm>
             <a:off x="457200" y="2148840"/>
-            <a:ext cx="8229600" cy="685800"/>
-          </a:xfrm>
-          <a:prstGeom prst="rect">
-            <a:avLst/>
-          </a:prstGeom>
-          <a:noFill/>
-          <a:ln/>
-        </p:spPr>
-        <p:txBody>
-          <a:bodyPr wrap="square" rtlCol="0" anchor="ctr"/>
-          <a:lstStyle/>
-          <a:p>
-            <a:pPr indent="0" marL="0">
-              <a:buNone/>
-            </a:pPr>
-            <a:r>
-              <a:rPr lang="en-US" sz="1800" dirty="0">
-                <a:solidFill>
-                  <a:srgbClr val="444444"/>
-                </a:solidFill>
-              </a:rPr>
-              <a:t>- Clinical workflow automation</a:t>
-            </a:r>
-            <a:endParaRPr lang="en-US" sz="1800" dirty="0"/>
+            <a:ext cx="7772400" cy="457200"/>
+          </a:xfrm>
+          <a:prstGeom prst="rect">
+            <a:avLst/>
+          </a:prstGeom>
+          <a:noFill/>
+          <a:ln/>
+        </p:spPr>
+        <p:txBody>
+          <a:bodyPr wrap="square" rtlCol="0" anchor="ctr"/>
+          <a:lstStyle/>
+          <a:p>
+            <a:pPr indent="0" marL="0">
+              <a:buNone/>
+            </a:pPr>
+            <a:r>
+              <a:rPr lang="en-US" sz="1600" dirty="0">
+                <a:solidFill>
+                  <a:srgbClr val="555555"/>
+                </a:solidFill>
+              </a:rPr>
+              <a:t>• TimeGAN learns temporal dynamics and feature distributions</a:t>
+            </a:r>
+            <a:endParaRPr lang="en-US" sz="1600" dirty="0"/>
           </a:p>
         </p:txBody>
       </p:sp>
@@ -2537,31 +3356,31 @@
         </p:nvSpPr>
         <p:spPr>
           <a:xfrm>
-            <a:off x="457200" y="2926080"/>
-            <a:ext cx="8229600" cy="685800"/>
-          </a:xfrm>
-          <a:prstGeom prst="rect">
-            <a:avLst/>
-          </a:prstGeom>
-          <a:noFill/>
-          <a:ln/>
-        </p:spPr>
-        <p:txBody>
-          <a:bodyPr wrap="square" rtlCol="0" anchor="ctr"/>
-          <a:lstStyle/>
-          <a:p>
-            <a:pPr indent="0" marL="0">
-              <a:buNone/>
-            </a:pPr>
-            <a:r>
-              <a:rPr lang="en-US" sz="1800" dirty="0">
-                <a:solidFill>
-                  <a:srgbClr val="444444"/>
-                </a:solidFill>
-              </a:rPr>
-              <a:t>- Web agents and reinforcement learning</a:t>
-            </a:r>
-            <a:endParaRPr lang="en-US" sz="1800" dirty="0"/>
+            <a:off x="457200" y="2651760"/>
+            <a:ext cx="7772400" cy="457200"/>
+          </a:xfrm>
+          <a:prstGeom prst="rect">
+            <a:avLst/>
+          </a:prstGeom>
+          <a:noFill/>
+          <a:ln/>
+        </p:spPr>
+        <p:txBody>
+          <a:bodyPr wrap="square" rtlCol="0" anchor="ctr"/>
+          <a:lstStyle/>
+          <a:p>
+            <a:pPr indent="0" marL="0">
+              <a:buNone/>
+            </a:pPr>
+            <a:r>
+              <a:rPr lang="en-US" sz="1600" dirty="0">
+                <a:solidFill>
+                  <a:srgbClr val="555555"/>
+                </a:solidFill>
+              </a:rPr>
+              <a:t>• Generated sequences preserve statistical properties of real data</a:t>
+            </a:r>
+            <a:endParaRPr lang="en-US" sz="1600" dirty="0"/>
           </a:p>
         </p:txBody>
       </p:sp>
@@ -2573,31 +3392,31 @@
         </p:nvSpPr>
         <p:spPr>
           <a:xfrm>
-            <a:off x="457200" y="3703320"/>
-            <a:ext cx="8229600" cy="685800"/>
-          </a:xfrm>
-          <a:prstGeom prst="rect">
-            <a:avLst/>
-          </a:prstGeom>
-          <a:noFill/>
-          <a:ln/>
-        </p:spPr>
-        <p:txBody>
-          <a:bodyPr wrap="square" rtlCol="0" anchor="ctr"/>
-          <a:lstStyle/>
-          <a:p>
-            <a:pPr indent="0" marL="0">
-              <a:buNone/>
-            </a:pPr>
-            <a:r>
-              <a:rPr lang="en-US" sz="1800" dirty="0">
-                <a:solidFill>
-                  <a:srgbClr val="444444"/>
-                </a:solidFill>
-              </a:rPr>
-              <a:t>- Software project management</a:t>
-            </a:r>
-            <a:endParaRPr lang="en-US" sz="1800" dirty="0"/>
+            <a:off x="457200" y="3154680"/>
+            <a:ext cx="7772400" cy="457200"/>
+          </a:xfrm>
+          <a:prstGeom prst="rect">
+            <a:avLst/>
+          </a:prstGeom>
+          <a:noFill/>
+          <a:ln/>
+        </p:spPr>
+        <p:txBody>
+          <a:bodyPr wrap="square" rtlCol="0" anchor="ctr"/>
+          <a:lstStyle/>
+          <a:p>
+            <a:pPr indent="0" marL="0">
+              <a:buNone/>
+            </a:pPr>
+            <a:r>
+              <a:rPr lang="en-US" sz="1600" dirty="0">
+                <a:solidFill>
+                  <a:srgbClr val="555555"/>
+                </a:solidFill>
+              </a:rPr>
+              <a:t>• LSTM architecture captures long-term dependencies in voltage patterns</a:t>
+            </a:r>
+            <a:endParaRPr lang="en-US" sz="1600" dirty="0"/>
           </a:p>
         </p:txBody>
       </p:sp>
@@ -2609,31 +3428,31 @@
         </p:nvSpPr>
         <p:spPr>
           <a:xfrm>
-            <a:off x="457200" y="4480560"/>
-            <a:ext cx="8229600" cy="685800"/>
-          </a:xfrm>
-          <a:prstGeom prst="rect">
-            <a:avLst/>
-          </a:prstGeom>
-          <a:noFill/>
-          <a:ln/>
-        </p:spPr>
-        <p:txBody>
-          <a:bodyPr wrap="square" rtlCol="0" anchor="ctr"/>
-          <a:lstStyle/>
-          <a:p>
-            <a:pPr indent="0" marL="0">
-              <a:buNone/>
-            </a:pPr>
-            <a:r>
-              <a:rPr lang="en-US" sz="1800" dirty="0">
-                <a:solidFill>
-                  <a:srgbClr val="444444"/>
-                </a:solidFill>
-              </a:rPr>
-              <a:t>- Visualizable world creation</a:t>
-            </a:r>
-            <a:endParaRPr lang="en-US" sz="1800" dirty="0"/>
+            <a:off x="457200" y="3657600"/>
+            <a:ext cx="7772400" cy="457200"/>
+          </a:xfrm>
+          <a:prstGeom prst="rect">
+            <a:avLst/>
+          </a:prstGeom>
+          <a:noFill/>
+          <a:ln/>
+        </p:spPr>
+        <p:txBody>
+          <a:bodyPr wrap="square" rtlCol="0" anchor="ctr"/>
+          <a:lstStyle/>
+          <a:p>
+            <a:pPr indent="0" marL="0">
+              <a:buNone/>
+            </a:pPr>
+            <a:r>
+              <a:rPr lang="en-US" sz="1600" dirty="0">
+                <a:solidFill>
+                  <a:srgbClr val="555555"/>
+                </a:solidFill>
+              </a:rPr>
+              <a:t>• Augmented training data reduces overfitting risk</a:t>
+            </a:r>
+            <a:endParaRPr lang="en-US" sz="1600" dirty="0"/>
           </a:p>
         </p:txBody>
       </p:sp>
@@ -2645,7 +3464,7 @@
         </p:nvSpPr>
         <p:spPr>
           <a:xfrm>
-            <a:off x="457200" y="5257800"/>
+            <a:off x="457200" y="4160520"/>
             <a:ext cx="7772400" cy="457200"/>
           </a:xfrm>
           <a:prstGeom prst="rect">
@@ -2667,115 +3486,7 @@
                   <a:srgbClr val="555555"/>
                 </a:solidFill>
               </a:rPr>
-              <a:t>• Code &amp; Tools</a:t>
-            </a:r>
-            <a:endParaRPr lang="en-US" sz="1600" dirty="0"/>
-          </a:p>
-        </p:txBody>
-      </p:sp>
-      <p:sp>
-        <p:nvSpPr>
-          <p:cNvPr id="9" name="Text 7"/>
-          <p:cNvSpPr/>
-          <p:nvPr/>
-        </p:nvSpPr>
-        <p:spPr>
-          <a:xfrm>
-            <a:off x="457200" y="5760720"/>
-            <a:ext cx="7772400" cy="457200"/>
-          </a:xfrm>
-          <a:prstGeom prst="rect">
-            <a:avLst/>
-          </a:prstGeom>
-          <a:noFill/>
-          <a:ln/>
-        </p:spPr>
-        <p:txBody>
-          <a:bodyPr wrap="square" rtlCol="0" anchor="ctr"/>
-          <a:lstStyle/>
-          <a:p>
-            <a:pPr indent="0" marL="0">
-              <a:buNone/>
-            </a:pPr>
-            <a:r>
-              <a:rPr lang="en-US" sz="1600" dirty="0">
-                <a:solidFill>
-                  <a:srgbClr val="555555"/>
-                </a:solidFill>
-              </a:rPr>
-              <a:t>• - AI-friendly code metrics</a:t>
-            </a:r>
-            <a:endParaRPr lang="en-US" sz="1600" dirty="0"/>
-          </a:p>
-        </p:txBody>
-      </p:sp>
-      <p:sp>
-        <p:nvSpPr>
-          <p:cNvPr id="10" name="Text 8"/>
-          <p:cNvSpPr/>
-          <p:nvPr/>
-        </p:nvSpPr>
-        <p:spPr>
-          <a:xfrm>
-            <a:off x="457200" y="6263640"/>
-            <a:ext cx="7772400" cy="457200"/>
-          </a:xfrm>
-          <a:prstGeom prst="rect">
-            <a:avLst/>
-          </a:prstGeom>
-          <a:noFill/>
-          <a:ln/>
-        </p:spPr>
-        <p:txBody>
-          <a:bodyPr wrap="square" rtlCol="0" anchor="ctr"/>
-          <a:lstStyle/>
-          <a:p>
-            <a:pPr indent="0" marL="0">
-              <a:buNone/>
-            </a:pPr>
-            <a:r>
-              <a:rPr lang="en-US" sz="1600" dirty="0">
-                <a:solidFill>
-                  <a:srgbClr val="555555"/>
-                </a:solidFill>
-              </a:rPr>
-              <a:t>• - LLM integration with traditional agent toolkits</a:t>
-            </a:r>
-            <a:endParaRPr lang="en-US" sz="1600" dirty="0"/>
-          </a:p>
-        </p:txBody>
-      </p:sp>
-      <p:sp>
-        <p:nvSpPr>
-          <p:cNvPr id="11" name="Text 9"/>
-          <p:cNvSpPr/>
-          <p:nvPr/>
-        </p:nvSpPr>
-        <p:spPr>
-          <a:xfrm>
-            <a:off x="457200" y="6766560"/>
-            <a:ext cx="7772400" cy="457200"/>
-          </a:xfrm>
-          <a:prstGeom prst="rect">
-            <a:avLst/>
-          </a:prstGeom>
-          <a:noFill/>
-          <a:ln/>
-        </p:spPr>
-        <p:txBody>
-          <a:bodyPr wrap="square" rtlCol="0" anchor="ctr"/>
-          <a:lstStyle/>
-          <a:p>
-            <a:pPr indent="0" marL="0">
-              <a:buNone/>
-            </a:pPr>
-            <a:r>
-              <a:rPr lang="en-US" sz="1600" dirty="0">
-                <a:solidFill>
-                  <a:srgbClr val="555555"/>
-                </a:solidFill>
-              </a:rPr>
-              <a:t>• - MLOps lifecycle for autonomous agents</a:t>
+              <a:t>• Framework can be adapted to other time-series prediction tasks</a:t>
             </a:r>
             <a:endParaRPr lang="en-US" sz="1600" dirty="0"/>
           </a:p>
@@ -2836,7 +3547,7 @@
                   <a:srgbClr val="363636"/>
                 </a:solidFill>
               </a:rPr>
-              <a:t>Summary Statistics</a:t>
+              <a:t>Key Results</a:t>
             </a:r>
             <a:endParaRPr lang="en-US" sz="3200" dirty="0"/>
           </a:p>
@@ -2872,7 +3583,7 @@
                   <a:srgbClr val="444444"/>
                 </a:solidFill>
               </a:rPr>
-              <a:t>Total Papers Collected: 10</a:t>
+              <a:t>The proposed TimeGAN-LSTM framework demonstrates exceptional performance in quench voltage prediction, significantly outperforming baseline approaches.</a:t>
             </a:r>
             <a:endParaRPr lang="en-US" sz="1800" dirty="0"/>
           </a:p>
@@ -2887,6 +3598,211 @@
         <p:spPr>
           <a:xfrm>
             <a:off x="457200" y="2148840"/>
+            <a:ext cx="7772400" cy="457200"/>
+          </a:xfrm>
+          <a:prstGeom prst="rect">
+            <a:avLst/>
+          </a:prstGeom>
+          <a:noFill/>
+          <a:ln/>
+        </p:spPr>
+        <p:txBody>
+          <a:bodyPr wrap="square" rtlCol="0" anchor="ctr"/>
+          <a:lstStyle/>
+          <a:p>
+            <a:pPr indent="0" marL="0">
+              <a:buNone/>
+            </a:pPr>
+            <a:r>
+              <a:rPr lang="en-US" sz="1600" dirty="0">
+                <a:solidFill>
+                  <a:srgbClr val="555555"/>
+                </a:solidFill>
+              </a:rPr>
+              <a:t>• Achieved ~3% mean relative error in quench prediction</a:t>
+            </a:r>
+            <a:endParaRPr lang="en-US" sz="1600" dirty="0"/>
+          </a:p>
+        </p:txBody>
+      </p:sp>
+      <p:sp>
+        <p:nvSpPr>
+          <p:cNvPr id="5" name="Text 3"/>
+          <p:cNvSpPr/>
+          <p:nvPr/>
+        </p:nvSpPr>
+        <p:spPr>
+          <a:xfrm>
+            <a:off x="457200" y="2651760"/>
+            <a:ext cx="7772400" cy="457200"/>
+          </a:xfrm>
+          <a:prstGeom prst="rect">
+            <a:avLst/>
+          </a:prstGeom>
+          <a:noFill/>
+          <a:ln/>
+        </p:spPr>
+        <p:txBody>
+          <a:bodyPr wrap="square" rtlCol="0" anchor="ctr"/>
+          <a:lstStyle/>
+          <a:p>
+            <a:pPr indent="0" marL="0">
+              <a:buNone/>
+            </a:pPr>
+            <a:r>
+              <a:rPr lang="en-US" sz="1600" dirty="0">
+                <a:solidFill>
+                  <a:srgbClr val="555555"/>
+                </a:solidFill>
+              </a:rPr>
+              <a:t>• Substantial improvement over models trained on original data only</a:t>
+            </a:r>
+            <a:endParaRPr lang="en-US" sz="1600" dirty="0"/>
+          </a:p>
+        </p:txBody>
+      </p:sp>
+      <p:sp>
+        <p:nvSpPr>
+          <p:cNvPr id="6" name="Text 4"/>
+          <p:cNvSpPr/>
+          <p:nvPr/>
+        </p:nvSpPr>
+        <p:spPr>
+          <a:xfrm>
+            <a:off x="457200" y="3154680"/>
+            <a:ext cx="7772400" cy="457200"/>
+          </a:xfrm>
+          <a:prstGeom prst="rect">
+            <a:avLst/>
+          </a:prstGeom>
+          <a:noFill/>
+          <a:ln/>
+        </p:spPr>
+        <p:txBody>
+          <a:bodyPr wrap="square" rtlCol="0" anchor="ctr"/>
+          <a:lstStyle/>
+          <a:p>
+            <a:pPr indent="0" marL="0">
+              <a:buNone/>
+            </a:pPr>
+            <a:r>
+              <a:rPr lang="en-US" sz="1600" dirty="0">
+                <a:solidFill>
+                  <a:srgbClr val="555555"/>
+                </a:solidFill>
+              </a:rPr>
+              <a:t>• Validated on experimental HTS coil measurements</a:t>
+            </a:r>
+            <a:endParaRPr lang="en-US" sz="1600" dirty="0"/>
+          </a:p>
+        </p:txBody>
+      </p:sp>
+      <p:sp>
+        <p:nvSpPr>
+          <p:cNvPr id="7" name="Text 5"/>
+          <p:cNvSpPr/>
+          <p:nvPr/>
+        </p:nvSpPr>
+        <p:spPr>
+          <a:xfrm>
+            <a:off x="457200" y="3657600"/>
+            <a:ext cx="7772400" cy="457200"/>
+          </a:xfrm>
+          <a:prstGeom prst="rect">
+            <a:avLst/>
+          </a:prstGeom>
+          <a:noFill/>
+          <a:ln/>
+        </p:spPr>
+        <p:txBody>
+          <a:bodyPr wrap="square" rtlCol="0" anchor="ctr"/>
+          <a:lstStyle/>
+          <a:p>
+            <a:pPr indent="0" marL="0">
+              <a:buNone/>
+            </a:pPr>
+            <a:r>
+              <a:rPr lang="en-US" sz="1600" dirty="0">
+                <a:solidFill>
+                  <a:srgbClr val="555555"/>
+                </a:solidFill>
+              </a:rPr>
+              <a:t>• Framework shows strong generalization capabilities</a:t>
+            </a:r>
+            <a:endParaRPr lang="en-US" sz="1600" dirty="0"/>
+          </a:p>
+        </p:txBody>
+      </p:sp>
+      <p:sp>
+        <p:nvSpPr>
+          <p:cNvPr id="8" name="Text 6"/>
+          <p:cNvSpPr/>
+          <p:nvPr/>
+        </p:nvSpPr>
+        <p:spPr>
+          <a:xfrm>
+            <a:off x="457200" y="4160520"/>
+            <a:ext cx="7772400" cy="457200"/>
+          </a:xfrm>
+          <a:prstGeom prst="rect">
+            <a:avLst/>
+          </a:prstGeom>
+          <a:noFill/>
+          <a:ln/>
+        </p:spPr>
+        <p:txBody>
+          <a:bodyPr wrap="square" rtlCol="0" anchor="ctr"/>
+          <a:lstStyle/>
+          <a:p>
+            <a:pPr indent="0" marL="0">
+              <a:buNone/>
+            </a:pPr>
+            <a:r>
+              <a:rPr lang="en-US" sz="1600" dirty="0">
+                <a:solidFill>
+                  <a:srgbClr val="555555"/>
+                </a:solidFill>
+              </a:rPr>
+              <a:t>• First successful demonstration of TimeGAN in superconductivity domain</a:t>
+            </a:r>
+            <a:endParaRPr lang="en-US" sz="1600" dirty="0"/>
+          </a:p>
+        </p:txBody>
+      </p:sp>
+    </p:spTree>
+  </p:cSld>
+  <p:clrMapOvr>
+    <a:masterClrMapping/>
+  </p:clrMapOvr>
+</p:sld>
+</file>
+
+<file path=ppt/slides/slide7.xml><?xml version="1.0" encoding="utf-8"?>
+<p:sld xmlns:a="http://schemas.openxmlformats.org/drawingml/2006/main" xmlns:r="http://schemas.openxmlformats.org/officeDocument/2006/relationships" xmlns:p="http://schemas.openxmlformats.org/presentationml/2006/main">
+  <p:cSld name="Slide 7">
+    <p:spTree>
+      <p:nvGrpSpPr>
+        <p:cNvPr id="1" name=""/>
+        <p:cNvGrpSpPr/>
+        <p:nvPr/>
+      </p:nvGrpSpPr>
+      <p:grpSpPr>
+        <a:xfrm>
+          <a:off x="0" y="0"/>
+          <a:ext cx="0" cy="0"/>
+          <a:chOff x="0" y="0"/>
+          <a:chExt cx="0" cy="0"/>
+        </a:xfrm>
+      </p:grpSpPr>
+      <p:sp>
+        <p:nvSpPr>
+          <p:cNvPr id="2" name="Text 0"/>
+          <p:cNvSpPr/>
+          <p:nvPr/>
+        </p:nvSpPr>
+        <p:spPr>
+          <a:xfrm>
+            <a:off x="457200" y="457200"/>
             <a:ext cx="8229600" cy="685800"/>
           </a:xfrm>
           <a:prstGeom prst="rect">
@@ -2903,12 +3819,48 @@
               <a:buNone/>
             </a:pPr>
             <a:r>
+              <a:rPr lang="en-US" sz="3200" b="1" dirty="0">
+                <a:solidFill>
+                  <a:srgbClr val="363636"/>
+                </a:solidFill>
+              </a:rPr>
+              <a:t>Novel Contributions</a:t>
+            </a:r>
+            <a:endParaRPr lang="en-US" sz="3200" dirty="0"/>
+          </a:p>
+        </p:txBody>
+      </p:sp>
+      <p:sp>
+        <p:nvSpPr>
+          <p:cNvPr id="3" name="Text 1"/>
+          <p:cNvSpPr/>
+          <p:nvPr/>
+        </p:nvSpPr>
+        <p:spPr>
+          <a:xfrm>
+            <a:off x="457200" y="1371600"/>
+            <a:ext cx="8229600" cy="685800"/>
+          </a:xfrm>
+          <a:prstGeom prst="rect">
+            <a:avLst/>
+          </a:prstGeom>
+          <a:noFill/>
+          <a:ln/>
+        </p:spPr>
+        <p:txBody>
+          <a:bodyPr wrap="square" rtlCol="0" anchor="ctr"/>
+          <a:lstStyle/>
+          <a:p>
+            <a:pPr indent="0" marL="0">
+              <a:buNone/>
+            </a:pPr>
+            <a:r>
               <a:rPr lang="en-US" sz="1800" dirty="0">
                 <a:solidFill>
                   <a:srgbClr val="444444"/>
                 </a:solidFill>
               </a:rPr>
-              <a:t>Date Range: January 5-31, 2026</a:t>
+              <a:t>This work makes several groundbreaking contributions to both the superconductivity and machine learning fields.</a:t>
             </a:r>
             <a:endParaRPr lang="en-US" sz="1800" dirty="0"/>
           </a:p>
@@ -2916,13 +3868,218 @@
       </p:sp>
       <p:sp>
         <p:nvSpPr>
+          <p:cNvPr id="4" name="Text 2"/>
+          <p:cNvSpPr/>
+          <p:nvPr/>
+        </p:nvSpPr>
+        <p:spPr>
+          <a:xfrm>
+            <a:off x="457200" y="2148840"/>
+            <a:ext cx="7772400" cy="457200"/>
+          </a:xfrm>
+          <a:prstGeom prst="rect">
+            <a:avLst/>
+          </a:prstGeom>
+          <a:noFill/>
+          <a:ln/>
+        </p:spPr>
+        <p:txBody>
+          <a:bodyPr wrap="square" rtlCol="0" anchor="ctr"/>
+          <a:lstStyle/>
+          <a:p>
+            <a:pPr indent="0" marL="0">
+              <a:buNone/>
+            </a:pPr>
+            <a:r>
+              <a:rPr lang="en-US" sz="1600" dirty="0">
+                <a:solidFill>
+                  <a:srgbClr val="555555"/>
+                </a:solidFill>
+              </a:rPr>
+              <a:t>• First application of TimeGAN to superconducting quench signals</a:t>
+            </a:r>
+            <a:endParaRPr lang="en-US" sz="1600" dirty="0"/>
+          </a:p>
+        </p:txBody>
+      </p:sp>
+      <p:sp>
+        <p:nvSpPr>
           <p:cNvPr id="5" name="Text 3"/>
           <p:cNvSpPr/>
           <p:nvPr/>
         </p:nvSpPr>
         <p:spPr>
           <a:xfrm>
-            <a:off x="457200" y="2926080"/>
+            <a:off x="457200" y="2651760"/>
+            <a:ext cx="7772400" cy="457200"/>
+          </a:xfrm>
+          <a:prstGeom prst="rect">
+            <a:avLst/>
+          </a:prstGeom>
+          <a:noFill/>
+          <a:ln/>
+        </p:spPr>
+        <p:txBody>
+          <a:bodyPr wrap="square" rtlCol="0" anchor="ctr"/>
+          <a:lstStyle/>
+          <a:p>
+            <a:pPr indent="0" marL="0">
+              <a:buNone/>
+            </a:pPr>
+            <a:r>
+              <a:rPr lang="en-US" sz="1600" dirty="0">
+                <a:solidFill>
+                  <a:srgbClr val="555555"/>
+                </a:solidFill>
+              </a:rPr>
+              <a:t>• Demonstrates ML-driven data augmentation effectiveness</a:t>
+            </a:r>
+            <a:endParaRPr lang="en-US" sz="1600" dirty="0"/>
+          </a:p>
+        </p:txBody>
+      </p:sp>
+      <p:sp>
+        <p:nvSpPr>
+          <p:cNvPr id="6" name="Text 4"/>
+          <p:cNvSpPr/>
+          <p:nvPr/>
+        </p:nvSpPr>
+        <p:spPr>
+          <a:xfrm>
+            <a:off x="457200" y="3154680"/>
+            <a:ext cx="7772400" cy="457200"/>
+          </a:xfrm>
+          <a:prstGeom prst="rect">
+            <a:avLst/>
+          </a:prstGeom>
+          <a:noFill/>
+          <a:ln/>
+        </p:spPr>
+        <p:txBody>
+          <a:bodyPr wrap="square" rtlCol="0" anchor="ctr"/>
+          <a:lstStyle/>
+          <a:p>
+            <a:pPr indent="0" marL="0">
+              <a:buNone/>
+            </a:pPr>
+            <a:r>
+              <a:rPr lang="en-US" sz="1600" dirty="0">
+                <a:solidFill>
+                  <a:srgbClr val="555555"/>
+                </a:solidFill>
+              </a:rPr>
+              <a:t>• Provides practical solution for experimental data scarcity</a:t>
+            </a:r>
+            <a:endParaRPr lang="en-US" sz="1600" dirty="0"/>
+          </a:p>
+        </p:txBody>
+      </p:sp>
+      <p:sp>
+        <p:nvSpPr>
+          <p:cNvPr id="7" name="Text 5"/>
+          <p:cNvSpPr/>
+          <p:nvPr/>
+        </p:nvSpPr>
+        <p:spPr>
+          <a:xfrm>
+            <a:off x="457200" y="3657600"/>
+            <a:ext cx="7772400" cy="457200"/>
+          </a:xfrm>
+          <a:prstGeom prst="rect">
+            <a:avLst/>
+          </a:prstGeom>
+          <a:noFill/>
+          <a:ln/>
+        </p:spPr>
+        <p:txBody>
+          <a:bodyPr wrap="square" rtlCol="0" anchor="ctr"/>
+          <a:lstStyle/>
+          <a:p>
+            <a:pPr indent="0" marL="0">
+              <a:buNone/>
+            </a:pPr>
+            <a:r>
+              <a:rPr lang="en-US" sz="1600" dirty="0">
+                <a:solidFill>
+                  <a:srgbClr val="555555"/>
+                </a:solidFill>
+              </a:rPr>
+              <a:t>• Establishes new paradigm for physics-informed ML applications</a:t>
+            </a:r>
+            <a:endParaRPr lang="en-US" sz="1600" dirty="0"/>
+          </a:p>
+        </p:txBody>
+      </p:sp>
+      <p:sp>
+        <p:nvSpPr>
+          <p:cNvPr id="8" name="Text 6"/>
+          <p:cNvSpPr/>
+          <p:nvPr/>
+        </p:nvSpPr>
+        <p:spPr>
+          <a:xfrm>
+            <a:off x="457200" y="4160520"/>
+            <a:ext cx="7772400" cy="457200"/>
+          </a:xfrm>
+          <a:prstGeom prst="rect">
+            <a:avLst/>
+          </a:prstGeom>
+          <a:noFill/>
+          <a:ln/>
+        </p:spPr>
+        <p:txBody>
+          <a:bodyPr wrap="square" rtlCol="0" anchor="ctr"/>
+          <a:lstStyle/>
+          <a:p>
+            <a:pPr indent="0" marL="0">
+              <a:buNone/>
+            </a:pPr>
+            <a:r>
+              <a:rPr lang="en-US" sz="1600" dirty="0">
+                <a:solidFill>
+                  <a:srgbClr val="555555"/>
+                </a:solidFill>
+              </a:rPr>
+              <a:t>• Opens avenues for real-time quench detection systems</a:t>
+            </a:r>
+            <a:endParaRPr lang="en-US" sz="1600" dirty="0"/>
+          </a:p>
+        </p:txBody>
+      </p:sp>
+    </p:spTree>
+  </p:cSld>
+  <p:clrMapOvr>
+    <a:masterClrMapping/>
+  </p:clrMapOvr>
+</p:sld>
+</file>
+
+<file path=ppt/slides/slide8.xml><?xml version="1.0" encoding="utf-8"?>
+<p:sld xmlns:a="http://schemas.openxmlformats.org/drawingml/2006/main" xmlns:r="http://schemas.openxmlformats.org/officeDocument/2006/relationships" xmlns:p="http://schemas.openxmlformats.org/presentationml/2006/main">
+  <p:cSld name="Slide 8">
+    <p:spTree>
+      <p:nvGrpSpPr>
+        <p:cNvPr id="1" name=""/>
+        <p:cNvGrpSpPr/>
+        <p:nvPr/>
+      </p:nvGrpSpPr>
+      <p:grpSpPr>
+        <a:xfrm>
+          <a:off x="0" y="0"/>
+          <a:ext cx="0" cy="0"/>
+          <a:chOff x="0" y="0"/>
+          <a:chExt cx="0" cy="0"/>
+        </a:xfrm>
+      </p:grpSpPr>
+      <p:sp>
+        <p:nvSpPr>
+          <p:cNvPr id="2" name="Text 0"/>
+          <p:cNvSpPr/>
+          <p:nvPr/>
+        </p:nvSpPr>
+        <p:spPr>
+          <a:xfrm>
+            <a:off x="457200" y="457200"/>
             <a:ext cx="8229600" cy="685800"/>
           </a:xfrm>
           <a:prstGeom prst="rect">
@@ -2939,12 +4096,48 @@
               <a:buNone/>
             </a:pPr>
             <a:r>
+              <a:rPr lang="en-US" sz="3200" b="1" dirty="0">
+                <a:solidFill>
+                  <a:srgbClr val="363636"/>
+                </a:solidFill>
+              </a:rPr>
+              <a:t>Impact and Applications</a:t>
+            </a:r>
+            <a:endParaRPr lang="en-US" sz="3200" dirty="0"/>
+          </a:p>
+        </p:txBody>
+      </p:sp>
+      <p:sp>
+        <p:nvSpPr>
+          <p:cNvPr id="3" name="Text 1"/>
+          <p:cNvSpPr/>
+          <p:nvPr/>
+        </p:nvSpPr>
+        <p:spPr>
+          <a:xfrm>
+            <a:off x="457200" y="1371600"/>
+            <a:ext cx="8229600" cy="685800"/>
+          </a:xfrm>
+          <a:prstGeom prst="rect">
+            <a:avLst/>
+          </a:prstGeom>
+          <a:noFill/>
+          <a:ln/>
+        </p:spPr>
+        <p:txBody>
+          <a:bodyPr wrap="square" rtlCol="0" anchor="ctr"/>
+          <a:lstStyle/>
+          <a:p>
+            <a:pPr indent="0" marL="0">
+              <a:buNone/>
+            </a:pPr>
+            <a:r>
               <a:rPr lang="en-US" sz="1800" dirty="0">
                 <a:solidFill>
                   <a:srgbClr val="444444"/>
                 </a:solidFill>
               </a:rPr>
-              <a:t>Sources: arXiv (primary), Semantic Scholar</a:t>
+              <a:t>The research has significant implications for the design and operation of superconducting systems across multiple industries and research domains.</a:t>
             </a:r>
             <a:endParaRPr lang="en-US" sz="1800" dirty="0"/>
           </a:p>
@@ -2952,13 +4145,218 @@
       </p:sp>
       <p:sp>
         <p:nvSpPr>
+          <p:cNvPr id="4" name="Text 2"/>
+          <p:cNvSpPr/>
+          <p:nvPr/>
+        </p:nvSpPr>
+        <p:spPr>
+          <a:xfrm>
+            <a:off x="457200" y="2148840"/>
+            <a:ext cx="7772400" cy="457200"/>
+          </a:xfrm>
+          <a:prstGeom prst="rect">
+            <a:avLst/>
+          </a:prstGeom>
+          <a:noFill/>
+          <a:ln/>
+        </p:spPr>
+        <p:txBody>
+          <a:bodyPr wrap="square" rtlCol="0" anchor="ctr"/>
+          <a:lstStyle/>
+          <a:p>
+            <a:pPr indent="0" marL="0">
+              <a:buNone/>
+            </a:pPr>
+            <a:r>
+              <a:rPr lang="en-US" sz="1600" dirty="0">
+                <a:solidFill>
+                  <a:srgbClr val="555555"/>
+                </a:solidFill>
+              </a:rPr>
+              <a:t>• Enhanced safety for MRI machines and particle accelerators</a:t>
+            </a:r>
+            <a:endParaRPr lang="en-US" sz="1600" dirty="0"/>
+          </a:p>
+        </p:txBody>
+      </p:sp>
+      <p:sp>
+        <p:nvSpPr>
+          <p:cNvPr id="5" name="Text 3"/>
+          <p:cNvSpPr/>
+          <p:nvPr/>
+        </p:nvSpPr>
+        <p:spPr>
+          <a:xfrm>
+            <a:off x="457200" y="2651760"/>
+            <a:ext cx="7772400" cy="457200"/>
+          </a:xfrm>
+          <a:prstGeom prst="rect">
+            <a:avLst/>
+          </a:prstGeom>
+          <a:noFill/>
+          <a:ln/>
+        </p:spPr>
+        <p:txBody>
+          <a:bodyPr wrap="square" rtlCol="0" anchor="ctr"/>
+          <a:lstStyle/>
+          <a:p>
+            <a:pPr indent="0" marL="0">
+              <a:buNone/>
+            </a:pPr>
+            <a:r>
+              <a:rPr lang="en-US" sz="1600" dirty="0">
+                <a:solidFill>
+                  <a:srgbClr val="555555"/>
+                </a:solidFill>
+              </a:rPr>
+              <a:t>• Improved reliability of fusion reactor components</a:t>
+            </a:r>
+            <a:endParaRPr lang="en-US" sz="1600" dirty="0"/>
+          </a:p>
+        </p:txBody>
+      </p:sp>
+      <p:sp>
+        <p:nvSpPr>
           <p:cNvPr id="6" name="Text 4"/>
           <p:cNvSpPr/>
           <p:nvPr/>
         </p:nvSpPr>
         <p:spPr>
           <a:xfrm>
-            <a:off x="457200" y="3703320"/>
+            <a:off x="457200" y="3154680"/>
+            <a:ext cx="7772400" cy="457200"/>
+          </a:xfrm>
+          <a:prstGeom prst="rect">
+            <a:avLst/>
+          </a:prstGeom>
+          <a:noFill/>
+          <a:ln/>
+        </p:spPr>
+        <p:txBody>
+          <a:bodyPr wrap="square" rtlCol="0" anchor="ctr"/>
+          <a:lstStyle/>
+          <a:p>
+            <a:pPr indent="0" marL="0">
+              <a:buNone/>
+            </a:pPr>
+            <a:r>
+              <a:rPr lang="en-US" sz="1600" dirty="0">
+                <a:solidFill>
+                  <a:srgbClr val="555555"/>
+                </a:solidFill>
+              </a:rPr>
+              <a:t>• Cost reduction in superconducting magnet testing</a:t>
+            </a:r>
+            <a:endParaRPr lang="en-US" sz="1600" dirty="0"/>
+          </a:p>
+        </p:txBody>
+      </p:sp>
+      <p:sp>
+        <p:nvSpPr>
+          <p:cNvPr id="7" name="Text 5"/>
+          <p:cNvSpPr/>
+          <p:nvPr/>
+        </p:nvSpPr>
+        <p:spPr>
+          <a:xfrm>
+            <a:off x="457200" y="3657600"/>
+            <a:ext cx="7772400" cy="457200"/>
+          </a:xfrm>
+          <a:prstGeom prst="rect">
+            <a:avLst/>
+          </a:prstGeom>
+          <a:noFill/>
+          <a:ln/>
+        </p:spPr>
+        <p:txBody>
+          <a:bodyPr wrap="square" rtlCol="0" anchor="ctr"/>
+          <a:lstStyle/>
+          <a:p>
+            <a:pPr indent="0" marL="0">
+              <a:buNone/>
+            </a:pPr>
+            <a:r>
+              <a:rPr lang="en-US" sz="1600" dirty="0">
+                <a:solidFill>
+                  <a:srgbClr val="555555"/>
+                </a:solidFill>
+              </a:rPr>
+              <a:t>• Foundation for predictive maintenance in HTS systems</a:t>
+            </a:r>
+            <a:endParaRPr lang="en-US" sz="1600" dirty="0"/>
+          </a:p>
+        </p:txBody>
+      </p:sp>
+      <p:sp>
+        <p:nvSpPr>
+          <p:cNvPr id="8" name="Text 6"/>
+          <p:cNvSpPr/>
+          <p:nvPr/>
+        </p:nvSpPr>
+        <p:spPr>
+          <a:xfrm>
+            <a:off x="457200" y="4160520"/>
+            <a:ext cx="7772400" cy="457200"/>
+          </a:xfrm>
+          <a:prstGeom prst="rect">
+            <a:avLst/>
+          </a:prstGeom>
+          <a:noFill/>
+          <a:ln/>
+        </p:spPr>
+        <p:txBody>
+          <a:bodyPr wrap="square" rtlCol="0" anchor="ctr"/>
+          <a:lstStyle/>
+          <a:p>
+            <a:pPr indent="0" marL="0">
+              <a:buNone/>
+            </a:pPr>
+            <a:r>
+              <a:rPr lang="en-US" sz="1600" dirty="0">
+                <a:solidFill>
+                  <a:srgbClr val="555555"/>
+                </a:solidFill>
+              </a:rPr>
+              <a:t>• Potential extension to other time-series limited-data domains</a:t>
+            </a:r>
+            <a:endParaRPr lang="en-US" sz="1600" dirty="0"/>
+          </a:p>
+        </p:txBody>
+      </p:sp>
+    </p:spTree>
+  </p:cSld>
+  <p:clrMapOvr>
+    <a:masterClrMapping/>
+  </p:clrMapOvr>
+</p:sld>
+</file>
+
+<file path=ppt/slides/slide9.xml><?xml version="1.0" encoding="utf-8"?>
+<p:sld xmlns:a="http://schemas.openxmlformats.org/drawingml/2006/main" xmlns:r="http://schemas.openxmlformats.org/officeDocument/2006/relationships" xmlns:p="http://schemas.openxmlformats.org/presentationml/2006/main">
+  <p:cSld name="Slide 9">
+    <p:spTree>
+      <p:nvGrpSpPr>
+        <p:cNvPr id="1" name=""/>
+        <p:cNvGrpSpPr/>
+        <p:nvPr/>
+      </p:nvGrpSpPr>
+      <p:grpSpPr>
+        <a:xfrm>
+          <a:off x="0" y="0"/>
+          <a:ext cx="0" cy="0"/>
+          <a:chOff x="0" y="0"/>
+          <a:chExt cx="0" cy="0"/>
+        </a:xfrm>
+      </p:grpSpPr>
+      <p:sp>
+        <p:nvSpPr>
+          <p:cNvPr id="2" name="Text 0"/>
+          <p:cNvSpPr/>
+          <p:nvPr/>
+        </p:nvSpPr>
+        <p:spPr>
+          <a:xfrm>
+            <a:off x="457200" y="457200"/>
             <a:ext cx="8229600" cy="685800"/>
           </a:xfrm>
           <a:prstGeom prst="rect">
@@ -2975,12 +4373,48 @@
               <a:buNone/>
             </a:pPr>
             <a:r>
+              <a:rPr lang="en-US" sz="3200" b="1" dirty="0">
+                <a:solidFill>
+                  <a:srgbClr val="363636"/>
+                </a:solidFill>
+              </a:rPr>
+              <a:t>Future Directions</a:t>
+            </a:r>
+            <a:endParaRPr lang="en-US" sz="3200" dirty="0"/>
+          </a:p>
+        </p:txBody>
+      </p:sp>
+      <p:sp>
+        <p:nvSpPr>
+          <p:cNvPr id="3" name="Text 1"/>
+          <p:cNvSpPr/>
+          <p:nvPr/>
+        </p:nvSpPr>
+        <p:spPr>
+          <a:xfrm>
+            <a:off x="457200" y="1371600"/>
+            <a:ext cx="8229600" cy="685800"/>
+          </a:xfrm>
+          <a:prstGeom prst="rect">
+            <a:avLst/>
+          </a:prstGeom>
+          <a:noFill/>
+          <a:ln/>
+        </p:spPr>
+        <p:txBody>
+          <a:bodyPr wrap="square" rtlCol="0" anchor="ctr"/>
+          <a:lstStyle/>
+          <a:p>
+            <a:pPr indent="0" marL="0">
+              <a:buNone/>
+            </a:pPr>
+            <a:r>
               <a:rPr lang="en-US" sz="1800" dirty="0">
                 <a:solidFill>
                   <a:srgbClr val="444444"/>
                 </a:solidFill>
               </a:rPr>
-              <a:t>Average Authors per Paper: ~5.6</a:t>
+              <a:t>The authors suggest several promising avenues for extending this work and addressing remaining challenges.</a:t>
             </a:r>
             <a:endParaRPr lang="en-US" sz="1800" dirty="0"/>
           </a:p>
@@ -2988,37 +4422,181 @@
       </p:sp>
       <p:sp>
         <p:nvSpPr>
+          <p:cNvPr id="4" name="Text 2"/>
+          <p:cNvSpPr/>
+          <p:nvPr/>
+        </p:nvSpPr>
+        <p:spPr>
+          <a:xfrm>
+            <a:off x="457200" y="2148840"/>
+            <a:ext cx="7772400" cy="457200"/>
+          </a:xfrm>
+          <a:prstGeom prst="rect">
+            <a:avLst/>
+          </a:prstGeom>
+          <a:noFill/>
+          <a:ln/>
+        </p:spPr>
+        <p:txBody>
+          <a:bodyPr wrap="square" rtlCol="0" anchor="ctr"/>
+          <a:lstStyle/>
+          <a:p>
+            <a:pPr indent="0" marL="0">
+              <a:buNone/>
+            </a:pPr>
+            <a:r>
+              <a:rPr lang="en-US" sz="1600" dirty="0">
+                <a:solidFill>
+                  <a:srgbClr val="555555"/>
+                </a:solidFill>
+              </a:rPr>
+              <a:t>• Integration with real-time monitoring systems</a:t>
+            </a:r>
+            <a:endParaRPr lang="en-US" sz="1600" dirty="0"/>
+          </a:p>
+        </p:txBody>
+      </p:sp>
+      <p:sp>
+        <p:nvSpPr>
+          <p:cNvPr id="5" name="Text 3"/>
+          <p:cNvSpPr/>
+          <p:nvPr/>
+        </p:nvSpPr>
+        <p:spPr>
+          <a:xfrm>
+            <a:off x="457200" y="2651760"/>
+            <a:ext cx="7772400" cy="457200"/>
+          </a:xfrm>
+          <a:prstGeom prst="rect">
+            <a:avLst/>
+          </a:prstGeom>
+          <a:noFill/>
+          <a:ln/>
+        </p:spPr>
+        <p:txBody>
+          <a:bodyPr wrap="square" rtlCol="0" anchor="ctr"/>
+          <a:lstStyle/>
+          <a:p>
+            <a:pPr indent="0" marL="0">
+              <a:buNone/>
+            </a:pPr>
+            <a:r>
+              <a:rPr lang="en-US" sz="1600" dirty="0">
+                <a:solidFill>
+                  <a:srgbClr val="555555"/>
+                </a:solidFill>
+              </a:rPr>
+              <a:t>• Extension to multi-physics quench prediction</a:t>
+            </a:r>
+            <a:endParaRPr lang="en-US" sz="1600" dirty="0"/>
+          </a:p>
+        </p:txBody>
+      </p:sp>
+      <p:sp>
+        <p:nvSpPr>
+          <p:cNvPr id="6" name="Text 4"/>
+          <p:cNvSpPr/>
+          <p:nvPr/>
+        </p:nvSpPr>
+        <p:spPr>
+          <a:xfrm>
+            <a:off x="457200" y="3154680"/>
+            <a:ext cx="7772400" cy="457200"/>
+          </a:xfrm>
+          <a:prstGeom prst="rect">
+            <a:avLst/>
+          </a:prstGeom>
+          <a:noFill/>
+          <a:ln/>
+        </p:spPr>
+        <p:txBody>
+          <a:bodyPr wrap="square" rtlCol="0" anchor="ctr"/>
+          <a:lstStyle/>
+          <a:p>
+            <a:pPr indent="0" marL="0">
+              <a:buNone/>
+            </a:pPr>
+            <a:r>
+              <a:rPr lang="en-US" sz="1600" dirty="0">
+                <a:solidFill>
+                  <a:srgbClr val="555555"/>
+                </a:solidFill>
+              </a:rPr>
+              <a:t>• Exploration of other generative models (VAEs, Diffusion)</a:t>
+            </a:r>
+            <a:endParaRPr lang="en-US" sz="1600" dirty="0"/>
+          </a:p>
+        </p:txBody>
+      </p:sp>
+      <p:sp>
+        <p:nvSpPr>
           <p:cNvPr id="7" name="Text 5"/>
           <p:cNvSpPr/>
           <p:nvPr/>
         </p:nvSpPr>
         <p:spPr>
           <a:xfrm>
-            <a:off x="457200" y="4480560"/>
-            <a:ext cx="8229600" cy="685800"/>
-          </a:xfrm>
-          <a:prstGeom prst="rect">
-            <a:avLst/>
-          </a:prstGeom>
-          <a:noFill/>
-          <a:ln/>
-        </p:spPr>
-        <p:txBody>
-          <a:bodyPr wrap="square" rtlCol="0" anchor="ctr"/>
-          <a:lstStyle/>
-          <a:p>
-            <a:pPr indent="0" marL="0">
-              <a:buNone/>
-            </a:pPr>
-            <a:r>
-              <a:rPr lang="en-US" sz="1800" dirty="0">
-                <a:solidFill>
-                  <a:srgbClr val="444444"/>
-                </a:solidFill>
-              </a:rPr>
-              <a:t>Research Focus Areas: Security, Healthcare, Multi-Agent Systems, Software Engineering, Web Agents</a:t>
-            </a:r>
-            <a:endParaRPr lang="en-US" sz="1800" dirty="0"/>
+            <a:off x="457200" y="3657600"/>
+            <a:ext cx="7772400" cy="457200"/>
+          </a:xfrm>
+          <a:prstGeom prst="rect">
+            <a:avLst/>
+          </a:prstGeom>
+          <a:noFill/>
+          <a:ln/>
+        </p:spPr>
+        <p:txBody>
+          <a:bodyPr wrap="square" rtlCol="0" anchor="ctr"/>
+          <a:lstStyle/>
+          <a:p>
+            <a:pPr indent="0" marL="0">
+              <a:buNone/>
+            </a:pPr>
+            <a:r>
+              <a:rPr lang="en-US" sz="1600" dirty="0">
+                <a:solidFill>
+                  <a:srgbClr val="555555"/>
+                </a:solidFill>
+              </a:rPr>
+              <a:t>• Application to different superconducting materials</a:t>
+            </a:r>
+            <a:endParaRPr lang="en-US" sz="1600" dirty="0"/>
+          </a:p>
+        </p:txBody>
+      </p:sp>
+      <p:sp>
+        <p:nvSpPr>
+          <p:cNvPr id="8" name="Text 6"/>
+          <p:cNvSpPr/>
+          <p:nvPr/>
+        </p:nvSpPr>
+        <p:spPr>
+          <a:xfrm>
+            <a:off x="457200" y="4160520"/>
+            <a:ext cx="7772400" cy="457200"/>
+          </a:xfrm>
+          <a:prstGeom prst="rect">
+            <a:avLst/>
+          </a:prstGeom>
+          <a:noFill/>
+          <a:ln/>
+        </p:spPr>
+        <p:txBody>
+          <a:bodyPr wrap="square" rtlCol="0" anchor="ctr"/>
+          <a:lstStyle/>
+          <a:p>
+            <a:pPr indent="0" marL="0">
+              <a:buNone/>
+            </a:pPr>
+            <a:r>
+              <a:rPr lang="en-US" sz="1600" dirty="0">
+                <a:solidFill>
+                  <a:srgbClr val="555555"/>
+                </a:solidFill>
+              </a:rPr>
+              <a:t>• Development of explainable AI components for quench analysis</a:t>
+            </a:r>
+            <a:endParaRPr lang="en-US" sz="1600" dirty="0"/>
           </a:p>
         </p:txBody>
       </p:sp>

--- a/apps/api/outputs/ppt/presentation.pptx
+++ b/apps/api/outputs/ppt/presentation.pptx
@@ -1048,7 +1048,7 @@
                   <a:srgbClr val="363636"/>
                 </a:solidFill>
               </a:rPr>
-              <a:t>About Cats</a:t>
+              <a:t>Cats: Fascinating Felines</a:t>
             </a:r>
             <a:endParaRPr lang="en-US" sz="3200" dirty="0"/>
           </a:p>
@@ -1084,7 +1084,7 @@
                   <a:srgbClr val="444444"/>
                 </a:solidFill>
               </a:rPr>
-              <a:t>Cats are small, carnivorous mammals that have been domesticated for thousands of years.</a:t>
+              <a:t>Cats are one of the most popular pets worldwide, known for their independence, agility, and affectionate nature.</a:t>
             </a:r>
             <a:endParaRPr lang="en-US" sz="1800" dirty="0"/>
           </a:p>
@@ -1120,7 +1120,7 @@
                   <a:srgbClr val="444444"/>
                 </a:solidFill>
               </a:rPr>
-              <a:t>Known for their independence, agility, and affectionate nature, cats are one of the world's most popular pets.</a:t>
+              <a:t>These remarkable animals have been human companions for over 10,000 years, dating back to ancient civilizations.</a:t>
             </a:r>
             <a:endParaRPr lang="en-US" sz="1800" dirty="0"/>
           </a:p>
@@ -1135,42 +1135,6 @@
         <p:spPr>
           <a:xfrm>
             <a:off x="457200" y="2926080"/>
-            <a:ext cx="8229600" cy="685800"/>
-          </a:xfrm>
-          <a:prstGeom prst="rect">
-            <a:avLst/>
-          </a:prstGeom>
-          <a:noFill/>
-          <a:ln/>
-        </p:spPr>
-        <p:txBody>
-          <a:bodyPr wrap="square" rtlCol="0" anchor="ctr"/>
-          <a:lstStyle/>
-          <a:p>
-            <a:pPr indent="0" marL="0">
-              <a:buNone/>
-            </a:pPr>
-            <a:r>
-              <a:rPr lang="en-US" sz="1800" dirty="0">
-                <a:solidFill>
-                  <a:srgbClr val="444444"/>
-                </a:solidFill>
-              </a:rPr>
-              <a:t>There are over 70 recognized cat breeds, ranging from the fluffy Persian to the sleek Siamese.</a:t>
-            </a:r>
-            <a:endParaRPr lang="en-US" sz="1800" dirty="0"/>
-          </a:p>
-        </p:txBody>
-      </p:sp>
-      <p:sp>
-        <p:nvSpPr>
-          <p:cNvPr id="6" name="Text 4"/>
-          <p:cNvSpPr/>
-          <p:nvPr/>
-        </p:nvSpPr>
-        <p:spPr>
-          <a:xfrm>
-            <a:off x="457200" y="3703320"/>
             <a:ext cx="7772400" cy="457200"/>
           </a:xfrm>
           <a:prstGeom prst="rect">
@@ -1192,7 +1156,7 @@
                   <a:srgbClr val="555555"/>
                 </a:solidFill>
               </a:rPr>
-              <a:t>• Domesticated for ~4,000 years</a:t>
+              <a:t>• Over 600 million domestic cats worldwide</a:t>
             </a:r>
             <a:endParaRPr lang="en-US" sz="1600" dirty="0"/>
           </a:p>
@@ -1200,49 +1164,13 @@
       </p:sp>
       <p:sp>
         <p:nvSpPr>
-          <p:cNvPr id="7" name="Text 5"/>
+          <p:cNvPr id="6" name="Text 4"/>
           <p:cNvSpPr/>
           <p:nvPr/>
         </p:nvSpPr>
         <p:spPr>
           <a:xfrm>
-            <a:off x="457200" y="4206240"/>
-            <a:ext cx="7772400" cy="457200"/>
-          </a:xfrm>
-          <a:prstGeom prst="rect">
-            <a:avLst/>
-          </a:prstGeom>
-          <a:noFill/>
-          <a:ln/>
-        </p:spPr>
-        <p:txBody>
-          <a:bodyPr wrap="square" rtlCol="0" anchor="ctr"/>
-          <a:lstStyle/>
-          <a:p>
-            <a:pPr indent="0" marL="0">
-              <a:buNone/>
-            </a:pPr>
-            <a:r>
-              <a:rPr lang="en-US" sz="1600" dirty="0">
-                <a:solidFill>
-                  <a:srgbClr val="555555"/>
-                </a:solidFill>
-              </a:rPr>
-              <a:t>• Excellent hunters with keen senses</a:t>
-            </a:r>
-            <a:endParaRPr lang="en-US" sz="1600" dirty="0"/>
-          </a:p>
-        </p:txBody>
-      </p:sp>
-      <p:sp>
-        <p:nvSpPr>
-          <p:cNvPr id="8" name="Text 6"/>
-          <p:cNvSpPr/>
-          <p:nvPr/>
-        </p:nvSpPr>
-        <p:spPr>
-          <a:xfrm>
-            <a:off x="457200" y="4709160"/>
+            <a:off x="457200" y="3429000"/>
             <a:ext cx="7772400" cy="457200"/>
           </a:xfrm>
           <a:prstGeom prst="rect">
@@ -1272,13 +1200,13 @@
       </p:sp>
       <p:sp>
         <p:nvSpPr>
-          <p:cNvPr id="9" name="Text 7"/>
+          <p:cNvPr id="7" name="Text 5"/>
           <p:cNvSpPr/>
           <p:nvPr/>
         </p:nvSpPr>
         <p:spPr>
           <a:xfrm>
-            <a:off x="457200" y="5212080"/>
+            <a:off x="457200" y="3931920"/>
             <a:ext cx="7772400" cy="457200"/>
           </a:xfrm>
           <a:prstGeom prst="rect">
@@ -1300,7 +1228,79 @@
                   <a:srgbClr val="555555"/>
                 </a:solidFill>
               </a:rPr>
-              <a:t>• Communicate through vocalizations, body language, and scent</a:t>
+              <a:t>• Can sleep up to 16 hours per day</a:t>
+            </a:r>
+            <a:endParaRPr lang="en-US" sz="1600" dirty="0"/>
+          </a:p>
+        </p:txBody>
+      </p:sp>
+      <p:sp>
+        <p:nvSpPr>
+          <p:cNvPr id="8" name="Text 6"/>
+          <p:cNvSpPr/>
+          <p:nvPr/>
+        </p:nvSpPr>
+        <p:spPr>
+          <a:xfrm>
+            <a:off x="457200" y="4434840"/>
+            <a:ext cx="7772400" cy="457200"/>
+          </a:xfrm>
+          <a:prstGeom prst="rect">
+            <a:avLst/>
+          </a:prstGeom>
+          <a:noFill/>
+          <a:ln/>
+        </p:spPr>
+        <p:txBody>
+          <a:bodyPr wrap="square" rtlCol="0" anchor="ctr"/>
+          <a:lstStyle/>
+          <a:p>
+            <a:pPr indent="0" marL="0">
+              <a:buNone/>
+            </a:pPr>
+            <a:r>
+              <a:rPr lang="en-US" sz="1600" dirty="0">
+                <a:solidFill>
+                  <a:srgbClr val="555555"/>
+                </a:solidFill>
+              </a:rPr>
+              <a:t>• Have over 20 different vocalizations</a:t>
+            </a:r>
+            <a:endParaRPr lang="en-US" sz="1600" dirty="0"/>
+          </a:p>
+        </p:txBody>
+      </p:sp>
+      <p:sp>
+        <p:nvSpPr>
+          <p:cNvPr id="9" name="Text 7"/>
+          <p:cNvSpPr/>
+          <p:nvPr/>
+        </p:nvSpPr>
+        <p:spPr>
+          <a:xfrm>
+            <a:off x="457200" y="4937760"/>
+            <a:ext cx="7772400" cy="457200"/>
+          </a:xfrm>
+          <a:prstGeom prst="rect">
+            <a:avLst/>
+          </a:prstGeom>
+          <a:noFill/>
+          <a:ln/>
+        </p:spPr>
+        <p:txBody>
+          <a:bodyPr wrap="square" rtlCol="0" anchor="ctr"/>
+          <a:lstStyle/>
+          <a:p>
+            <a:pPr indent="0" marL="0">
+              <a:buNone/>
+            </a:pPr>
+            <a:r>
+              <a:rPr lang="en-US" sz="1600" dirty="0">
+                <a:solidFill>
+                  <a:srgbClr val="555555"/>
+                </a:solidFill>
+              </a:rPr>
+              <a:t>• Excellent night vision and hearing</a:t>
             </a:r>
             <a:endParaRPr lang="en-US" sz="1600" dirty="0"/>
           </a:p>
